--- a/RentIndex/6_Presentation/RentIndex.pptx
+++ b/RentIndex/6_Presentation/RentIndex.pptx
@@ -5,10 +5,10 @@
     <p:sldMasterId id="2147483648" r:id="rId1"/>
   </p:sldMasterIdLst>
   <p:notesMasterIdLst>
-    <p:notesMasterId r:id="rId65"/>
+    <p:notesMasterId r:id="rId68"/>
   </p:notesMasterIdLst>
   <p:handoutMasterIdLst>
-    <p:handoutMasterId r:id="rId66"/>
+    <p:handoutMasterId r:id="rId69"/>
   </p:handoutMasterIdLst>
   <p:sldIdLst>
     <p:sldId id="287" r:id="rId2"/>
@@ -72,8 +72,11 @@
     <p:sldId id="365" r:id="rId60"/>
     <p:sldId id="357" r:id="rId61"/>
     <p:sldId id="367" r:id="rId62"/>
-    <p:sldId id="366" r:id="rId63"/>
-    <p:sldId id="352" r:id="rId64"/>
+    <p:sldId id="368" r:id="rId63"/>
+    <p:sldId id="369" r:id="rId64"/>
+    <p:sldId id="370" r:id="rId65"/>
+    <p:sldId id="366" r:id="rId66"/>
+    <p:sldId id="352" r:id="rId67"/>
   </p:sldIdLst>
   <p:sldSz cx="9144000" cy="6858000" type="screen4x3"/>
   <p:notesSz cx="6858000" cy="9144000"/>
@@ -315,7 +318,7 @@
             <a:fld id="{78470D10-66C5-4FEB-B256-A3F1F4C05DCA}" type="datetimeFigureOut">
               <a:rPr lang="en-US"/>
               <a:pPr/>
-              <a:t>5/4/2012</a:t>
+              <a:t>5/7/2012</a:t>
             </a:fld>
             <a:endParaRPr lang="en-US"/>
           </a:p>
@@ -518,7 +521,7 @@
             <a:fld id="{9EC354D6-1606-43F7-96EC-428F15795A53}" type="datetimeFigureOut">
               <a:rPr lang="en-US"/>
               <a:pPr/>
-              <a:t>5/4/2012</a:t>
+              <a:t>5/7/2012</a:t>
             </a:fld>
             <a:endParaRPr lang="en-US"/>
           </a:p>
@@ -1254,7 +1257,7 @@
             <a:fld id="{1A35F09F-B2C9-44DF-B6F8-9510114C6BC4}" type="datetimeFigureOut">
               <a:rPr lang="en-US"/>
               <a:pPr/>
-              <a:t>5/4/2012</a:t>
+              <a:t>5/7/2012</a:t>
             </a:fld>
             <a:endParaRPr lang="en-US"/>
           </a:p>
@@ -1438,7 +1441,7 @@
             <a:fld id="{E56340D8-6804-433F-88BA-120461485EE2}" type="datetimeFigureOut">
               <a:rPr lang="en-US"/>
               <a:pPr/>
-              <a:t>5/4/2012</a:t>
+              <a:t>5/7/2012</a:t>
             </a:fld>
             <a:endParaRPr lang="en-US"/>
           </a:p>
@@ -1632,7 +1635,7 @@
             <a:fld id="{52B2D7E8-4BAF-46A2-89E8-0F80482A821C}" type="datetimeFigureOut">
               <a:rPr lang="en-US"/>
               <a:pPr/>
-              <a:t>5/4/2012</a:t>
+              <a:t>5/7/2012</a:t>
             </a:fld>
             <a:endParaRPr lang="en-US"/>
           </a:p>
@@ -1793,7 +1796,7 @@
             <a:fld id="{8342A524-BE55-4F3D-B6CB-B05856498B15}" type="datetimeFigureOut">
               <a:rPr lang="en-US"/>
               <a:pPr/>
-              <a:t>5/4/2012</a:t>
+              <a:t>5/7/2012</a:t>
             </a:fld>
             <a:endParaRPr lang="en-US"/>
           </a:p>
@@ -2010,7 +2013,7 @@
             <a:fld id="{BBE3E3A7-B589-4455-B0D8-2F842DB5839D}" type="datetimeFigureOut">
               <a:rPr lang="en-US"/>
               <a:pPr/>
-              <a:t>5/4/2012</a:t>
+              <a:t>5/7/2012</a:t>
             </a:fld>
             <a:endParaRPr lang="en-US"/>
           </a:p>
@@ -2194,7 +2197,7 @@
             <a:fld id="{0C6FC91C-68B2-4B62-9B7A-734E3ED23CA4}" type="datetimeFigureOut">
               <a:rPr lang="en-US"/>
               <a:pPr/>
-              <a:t>5/4/2012</a:t>
+              <a:t>5/7/2012</a:t>
             </a:fld>
             <a:endParaRPr lang="en-US"/>
           </a:p>
@@ -2454,7 +2457,7 @@
             <a:fld id="{A7D8D076-1086-4845-A41F-C63242AE9297}" type="datetimeFigureOut">
               <a:rPr lang="en-US"/>
               <a:pPr/>
-              <a:t>5/4/2012</a:t>
+              <a:t>5/7/2012</a:t>
             </a:fld>
             <a:endParaRPr lang="en-US"/>
           </a:p>
@@ -2756,7 +2759,7 @@
             <a:fld id="{F5ED81E5-E478-4AAF-A9FB-155776ACA335}" type="datetimeFigureOut">
               <a:rPr lang="en-US"/>
               <a:pPr/>
-              <a:t>5/4/2012</a:t>
+              <a:t>5/7/2012</a:t>
             </a:fld>
             <a:endParaRPr lang="en-US"/>
           </a:p>
@@ -3192,7 +3195,7 @@
             <a:fld id="{7F708B64-2F7D-415C-B061-609B0EF5394D}" type="datetimeFigureOut">
               <a:rPr lang="en-US"/>
               <a:pPr/>
-              <a:t>5/4/2012</a:t>
+              <a:t>5/7/2012</a:t>
             </a:fld>
             <a:endParaRPr lang="en-US"/>
           </a:p>
@@ -3324,7 +3327,7 @@
             <a:fld id="{3408E823-A02F-4C20-88E7-718D3F1F1C00}" type="datetimeFigureOut">
               <a:rPr lang="en-US"/>
               <a:pPr/>
-              <a:t>5/4/2012</a:t>
+              <a:t>5/7/2012</a:t>
             </a:fld>
             <a:endParaRPr lang="en-US"/>
           </a:p>
@@ -3433,7 +3436,7 @@
             <a:fld id="{969DECCE-C6BE-4042-9DE3-4B315922A861}" type="datetimeFigureOut">
               <a:rPr lang="en-US"/>
               <a:pPr/>
-              <a:t>5/4/2012</a:t>
+              <a:t>5/7/2012</a:t>
             </a:fld>
             <a:endParaRPr lang="en-US"/>
           </a:p>
@@ -3724,7 +3727,7 @@
             <a:fld id="{D0FEBAD8-7033-4076-8667-284567597307}" type="datetimeFigureOut">
               <a:rPr lang="en-US"/>
               <a:pPr/>
-              <a:t>5/4/2012</a:t>
+              <a:t>5/7/2012</a:t>
             </a:fld>
             <a:endParaRPr lang="en-US"/>
           </a:p>
@@ -3994,7 +3997,7 @@
             <a:fld id="{8883FD63-2BDE-4D36-8735-A7167CA1E0E1}" type="datetimeFigureOut">
               <a:rPr lang="en-US"/>
               <a:pPr/>
-              <a:t>5/4/2012</a:t>
+              <a:t>5/7/2012</a:t>
             </a:fld>
             <a:endParaRPr lang="en-US"/>
           </a:p>
@@ -4269,7 +4272,7 @@
             <a:fld id="{246DA9F1-4BAF-4B45-9159-24CEEE57850C}" type="datetimeFigureOut">
               <a:rPr lang="en-US"/>
               <a:pPr/>
-              <a:t>5/4/2012</a:t>
+              <a:t>5/7/2012</a:t>
             </a:fld>
             <a:endParaRPr lang="en-US"/>
           </a:p>
@@ -9091,12 +9094,12 @@
           <a:graphicData uri="http://schemas.openxmlformats.org/presentationml/2006/ole">
             <mc:AlternateContent xmlns:mc="http://schemas.openxmlformats.org/markup-compatibility/2006">
               <mc:Choice xmlns:v="urn:schemas-microsoft-com:vml" Requires="v">
-                <p:oleObj spid="_x0000_s3206" name="Worksheet" r:id="rId4" imgW="7172241" imgH="4200532" progId="Excel.Sheet.12">
+                <p:oleObj spid="_x0000_s3216" name="Worksheet" r:id="rId3" imgW="7172241" imgH="4200532" progId="Excel.Sheet.12">
                   <p:embed/>
                 </p:oleObj>
               </mc:Choice>
               <mc:Fallback>
-                <p:oleObj name="Worksheet" r:id="rId4" imgW="7172241" imgH="4200532" progId="Excel.Sheet.12">
+                <p:oleObj name="Worksheet" r:id="rId3" imgW="7172241" imgH="4200532" progId="Excel.Sheet.12">
                   <p:embed/>
                   <p:pic>
                     <p:nvPicPr>
@@ -9105,7 +9108,7 @@
                       <p:nvPr/>
                     </p:nvPicPr>
                     <p:blipFill>
-                      <a:blip r:embed="rId5"/>
+                      <a:blip r:embed="rId4"/>
                       <a:stretch>
                         <a:fillRect/>
                       </a:stretch>
@@ -16500,12 +16503,12 @@
           <a:graphicData uri="http://schemas.openxmlformats.org/presentationml/2006/ole">
             <mc:AlternateContent xmlns:mc="http://schemas.openxmlformats.org/markup-compatibility/2006">
               <mc:Choice xmlns:v="urn:schemas-microsoft-com:vml" Requires="v">
-                <p:oleObj spid="_x0000_s1189" name="Worksheet" r:id="rId4" imgW="5848384" imgH="1000217" progId="Excel.Sheet.12">
+                <p:oleObj spid="_x0000_s1199" name="Worksheet" r:id="rId3" imgW="5848384" imgH="1000217" progId="Excel.Sheet.12">
                   <p:embed/>
                 </p:oleObj>
               </mc:Choice>
               <mc:Fallback>
-                <p:oleObj name="Worksheet" r:id="rId4" imgW="5848384" imgH="1000217" progId="Excel.Sheet.12">
+                <p:oleObj name="Worksheet" r:id="rId3" imgW="5848384" imgH="1000217" progId="Excel.Sheet.12">
                   <p:embed/>
                   <p:pic>
                     <p:nvPicPr>
@@ -16514,7 +16517,7 @@
                       <p:nvPr/>
                     </p:nvPicPr>
                     <p:blipFill>
-                      <a:blip r:embed="rId5"/>
+                      <a:blip r:embed="rId4"/>
                       <a:stretch>
                         <a:fillRect/>
                       </a:stretch>
@@ -18495,12 +18498,12 @@
           <a:graphicData uri="http://schemas.openxmlformats.org/presentationml/2006/ole">
             <mc:AlternateContent xmlns:mc="http://schemas.openxmlformats.org/markup-compatibility/2006">
               <mc:Choice xmlns:v="urn:schemas-microsoft-com:vml" Requires="v">
-                <p:oleObj spid="_x0000_s4182" name="Worksheet" r:id="rId4" imgW="6638976" imgH="1343079" progId="Excel.Sheet.12">
+                <p:oleObj spid="_x0000_s4192" name="Worksheet" r:id="rId3" imgW="6638976" imgH="1343079" progId="Excel.Sheet.12">
                   <p:embed/>
                 </p:oleObj>
               </mc:Choice>
               <mc:Fallback>
-                <p:oleObj name="Worksheet" r:id="rId4" imgW="6638976" imgH="1343079" progId="Excel.Sheet.12">
+                <p:oleObj name="Worksheet" r:id="rId3" imgW="6638976" imgH="1343079" progId="Excel.Sheet.12">
                   <p:embed/>
                   <p:pic>
                     <p:nvPicPr>
@@ -18509,7 +18512,7 @@
                       <p:nvPr/>
                     </p:nvPicPr>
                     <p:blipFill>
-                      <a:blip r:embed="rId5"/>
+                      <a:blip r:embed="rId4"/>
                       <a:stretch>
                         <a:fillRect/>
                       </a:stretch>
@@ -21409,12 +21412,12 @@
           <a:graphicData uri="http://schemas.openxmlformats.org/presentationml/2006/ole">
             <mc:AlternateContent xmlns:mc="http://schemas.openxmlformats.org/markup-compatibility/2006">
               <mc:Choice xmlns:v="urn:schemas-microsoft-com:vml" Requires="v">
-                <p:oleObj spid="_x0000_s2196" name="Worksheet" r:id="rId4" imgW="4648335" imgH="1914516" progId="Excel.Sheet.12">
+                <p:oleObj spid="_x0000_s2206" name="Worksheet" r:id="rId3" imgW="4648335" imgH="1914516" progId="Excel.Sheet.12">
                   <p:embed/>
                 </p:oleObj>
               </mc:Choice>
               <mc:Fallback>
-                <p:oleObj name="Worksheet" r:id="rId4" imgW="4648335" imgH="1914516" progId="Excel.Sheet.12">
+                <p:oleObj name="Worksheet" r:id="rId3" imgW="4648335" imgH="1914516" progId="Excel.Sheet.12">
                   <p:embed/>
                   <p:pic>
                     <p:nvPicPr>
@@ -21423,7 +21426,7 @@
                       <p:nvPr/>
                     </p:nvPicPr>
                     <p:blipFill>
-                      <a:blip r:embed="rId5"/>
+                      <a:blip r:embed="rId4"/>
                       <a:stretch>
                         <a:fillRect/>
                       </a:stretch>
@@ -25647,12 +25650,12 @@
           <a:graphicData uri="http://schemas.openxmlformats.org/presentationml/2006/ole">
             <mc:AlternateContent xmlns:mc="http://schemas.openxmlformats.org/markup-compatibility/2006">
               <mc:Choice xmlns:v="urn:schemas-microsoft-com:vml" Requires="v">
-                <p:oleObj spid="_x0000_s5230" name="Worksheet" r:id="rId4" imgW="4095649" imgH="580893" progId="Excel.Sheet.12">
+                <p:oleObj spid="_x0000_s5250" name="Worksheet" r:id="rId3" imgW="4095649" imgH="580893" progId="Excel.Sheet.12">
                   <p:embed/>
                 </p:oleObj>
               </mc:Choice>
               <mc:Fallback>
-                <p:oleObj name="Worksheet" r:id="rId4" imgW="4095649" imgH="580893" progId="Excel.Sheet.12">
+                <p:oleObj name="Worksheet" r:id="rId3" imgW="4095649" imgH="580893" progId="Excel.Sheet.12">
                   <p:embed/>
                   <p:pic>
                     <p:nvPicPr>
@@ -25661,7 +25664,7 @@
                       <p:nvPr/>
                     </p:nvPicPr>
                     <p:blipFill>
-                      <a:blip r:embed="rId5"/>
+                      <a:blip r:embed="rId4"/>
                       <a:stretch>
                         <a:fillRect/>
                       </a:stretch>
@@ -25704,12 +25707,12 @@
           <a:graphicData uri="http://schemas.openxmlformats.org/presentationml/2006/ole">
             <mc:AlternateContent xmlns:mc="http://schemas.openxmlformats.org/markup-compatibility/2006">
               <mc:Choice xmlns:v="urn:schemas-microsoft-com:vml" Requires="v">
-                <p:oleObj spid="_x0000_s5231" name="Worksheet" r:id="rId7" imgW="5724576" imgH="580893" progId="Excel.Sheet.12">
+                <p:oleObj spid="_x0000_s5251" name="Worksheet" r:id="rId5" imgW="5724576" imgH="580893" progId="Excel.Sheet.12">
                   <p:embed/>
                 </p:oleObj>
               </mc:Choice>
               <mc:Fallback>
-                <p:oleObj name="Worksheet" r:id="rId7" imgW="5724576" imgH="580893" progId="Excel.Sheet.12">
+                <p:oleObj name="Worksheet" r:id="rId5" imgW="5724576" imgH="580893" progId="Excel.Sheet.12">
                   <p:embed/>
                   <p:pic>
                     <p:nvPicPr>
@@ -25718,7 +25721,7 @@
                       <p:nvPr/>
                     </p:nvPicPr>
                     <p:blipFill>
-                      <a:blip r:embed="rId8"/>
+                      <a:blip r:embed="rId6"/>
                       <a:stretch>
                         <a:fillRect/>
                       </a:stretch>
@@ -27879,12 +27882,12 @@
           <a:graphicData uri="http://schemas.openxmlformats.org/presentationml/2006/ole">
             <mc:AlternateContent xmlns:mc="http://schemas.openxmlformats.org/markup-compatibility/2006">
               <mc:Choice xmlns:v="urn:schemas-microsoft-com:vml" Requires="v">
-                <p:oleObj spid="_x0000_s6194" name="Worksheet" r:id="rId4" imgW="4895951" imgH="1724037" progId="Excel.Sheet.12">
+                <p:oleObj spid="_x0000_s6204" name="Worksheet" r:id="rId3" imgW="4895951" imgH="1724037" progId="Excel.Sheet.12">
                   <p:embed/>
                 </p:oleObj>
               </mc:Choice>
               <mc:Fallback>
-                <p:oleObj name="Worksheet" r:id="rId4" imgW="4895951" imgH="1724037" progId="Excel.Sheet.12">
+                <p:oleObj name="Worksheet" r:id="rId3" imgW="4895951" imgH="1724037" progId="Excel.Sheet.12">
                   <p:embed/>
                   <p:pic>
                     <p:nvPicPr>
@@ -27893,7 +27896,7 @@
                       <p:nvPr/>
                     </p:nvPicPr>
                     <p:blipFill>
-                      <a:blip r:embed="rId5"/>
+                      <a:blip r:embed="rId4"/>
                       <a:stretch>
                         <a:fillRect/>
                       </a:stretch>
@@ -32618,7 +32621,103 @@
             </a:r>
           </a:p>
           <a:p>
-            <a:pPr marL="342900" indent="-342900">
+            <a:pPr lvl="1">
+              <a:spcBef>
+                <a:spcPct val="20000"/>
+              </a:spcBef>
+              <a:buSzPct val="120000"/>
+            </a:pPr>
+            <a:r>
+              <a:rPr lang="en-US" sz="2000" b="1" dirty="0" smtClean="0"/>
+              <a:t>Moran’s I is calculated as a ratio of the product of the variable of interest and its spatial lag, with the cross-product of the variable of interest, and adjusted for the spatial weights used:</a:t>
+            </a:r>
+          </a:p>
+          <a:p>
+            <a:pPr lvl="1">
+              <a:spcBef>
+                <a:spcPct val="20000"/>
+              </a:spcBef>
+              <a:buSzPct val="120000"/>
+            </a:pPr>
+            <a:endParaRPr lang="en-US" sz="2000" b="1" dirty="0" smtClean="0"/>
+          </a:p>
+          <a:p>
+            <a:pPr lvl="1">
+              <a:spcBef>
+                <a:spcPct val="20000"/>
+              </a:spcBef>
+              <a:buSzPct val="120000"/>
+            </a:pPr>
+            <a:endParaRPr lang="en-US" sz="2000" b="1" dirty="0" smtClean="0"/>
+          </a:p>
+          <a:p>
+            <a:pPr lvl="1">
+              <a:spcBef>
+                <a:spcPct val="20000"/>
+              </a:spcBef>
+              <a:buSzPct val="120000"/>
+            </a:pPr>
+            <a:endParaRPr lang="en-US" sz="2000" b="1" dirty="0"/>
+          </a:p>
+          <a:p>
+            <a:pPr lvl="1">
+              <a:spcBef>
+                <a:spcPct val="20000"/>
+              </a:spcBef>
+              <a:buSzPct val="120000"/>
+            </a:pPr>
+            <a:endParaRPr lang="en-US" sz="2000" b="1" dirty="0" smtClean="0"/>
+          </a:p>
+          <a:p>
+            <a:pPr lvl="1">
+              <a:spcBef>
+                <a:spcPct val="20000"/>
+              </a:spcBef>
+              <a:buSzPct val="120000"/>
+            </a:pPr>
+            <a:r>
+              <a:rPr lang="en-US" sz="2000" b="1" dirty="0" smtClean="0"/>
+              <a:t>w</a:t>
+            </a:r>
+            <a:r>
+              <a:rPr lang="en-US" sz="2000" b="1" dirty="0" smtClean="0"/>
+              <a:t>here </a:t>
+            </a:r>
+            <a:r>
+              <a:rPr lang="en-US" sz="2000" b="1" dirty="0" err="1" smtClean="0"/>
+              <a:t>y</a:t>
+            </a:r>
+            <a:r>
+              <a:rPr lang="en-US" sz="2000" b="1" baseline="-25000" dirty="0" err="1" smtClean="0"/>
+              <a:t>i</a:t>
+            </a:r>
+            <a:r>
+              <a:rPr lang="en-US" sz="2000" b="1" dirty="0" smtClean="0"/>
+              <a:t> is the </a:t>
+            </a:r>
+            <a:r>
+              <a:rPr lang="en-US" sz="2000" b="1" dirty="0" err="1" smtClean="0"/>
+              <a:t>i-th</a:t>
+            </a:r>
+            <a:r>
+              <a:rPr lang="en-US" sz="2000" b="1" dirty="0" smtClean="0"/>
+              <a:t> observation,     is the mean of the variable of interest, and </a:t>
+            </a:r>
+            <a:r>
+              <a:rPr lang="en-US" sz="2000" b="1" dirty="0" err="1" smtClean="0"/>
+              <a:t>w</a:t>
+            </a:r>
+            <a:r>
+              <a:rPr lang="en-US" sz="2000" b="1" baseline="-25000" dirty="0" err="1" smtClean="0"/>
+              <a:t>ij</a:t>
+            </a:r>
+            <a:r>
+              <a:rPr lang="en-US" sz="2000" b="1" dirty="0" smtClean="0"/>
+              <a:t> is the spatial weight of the link between I and j. Centering on the mean is equivalent to asserting that the correct model has a constant mean, and that any remaining patterning after centering is caused by the spatial relationships encoded in the spatial weights</a:t>
+            </a:r>
+          </a:p>
+          <a:p>
+            <a:pPr marL="800100" lvl="1" indent="-342900">
               <a:spcBef>
                 <a:spcPct val="20000"/>
               </a:spcBef>
@@ -32723,6 +32822,120 @@
           </a:p>
         </p:txBody>
       </p:sp>
+      <p:graphicFrame>
+        <p:nvGraphicFramePr>
+          <p:cNvPr id="2" name="Object 1"/>
+          <p:cNvGraphicFramePr>
+            <a:graphicFrameLocks noChangeAspect="1"/>
+          </p:cNvGraphicFramePr>
+          <p:nvPr>
+            <p:extLst>
+              <p:ext uri="{D42A27DB-BD31-4B8C-83A1-F6EECF244321}">
+                <p14:modId xmlns:p14="http://schemas.microsoft.com/office/powerpoint/2010/main" val="924450231"/>
+              </p:ext>
+            </p:extLst>
+          </p:nvPr>
+        </p:nvGraphicFramePr>
+        <p:xfrm>
+          <a:off x="1981200" y="2819400"/>
+          <a:ext cx="5578311" cy="1179512"/>
+        </p:xfrm>
+        <a:graphic>
+          <a:graphicData uri="http://schemas.openxmlformats.org/presentationml/2006/ole">
+            <mc:AlternateContent xmlns:mc="http://schemas.openxmlformats.org/markup-compatibility/2006">
+              <mc:Choice xmlns:v="urn:schemas-microsoft-com:vml" Requires="v">
+                <p:oleObj spid="_x0000_s7181" name="Equation" r:id="rId3" imgW="2869920" imgH="583920" progId="Equation.DSMT4">
+                  <p:embed/>
+                </p:oleObj>
+              </mc:Choice>
+              <mc:Fallback>
+                <p:oleObj name="Equation" r:id="rId3" imgW="2869920" imgH="583920" progId="Equation.DSMT4">
+                  <p:embed/>
+                  <p:pic>
+                    <p:nvPicPr>
+                      <p:cNvPr id="0" name=""/>
+                      <p:cNvPicPr/>
+                      <p:nvPr/>
+                    </p:nvPicPr>
+                    <p:blipFill>
+                      <a:blip r:embed="rId4"/>
+                      <a:stretch>
+                        <a:fillRect/>
+                      </a:stretch>
+                    </p:blipFill>
+                    <p:spPr>
+                      <a:xfrm>
+                        <a:off x="1981200" y="2819400"/>
+                        <a:ext cx="5578311" cy="1179512"/>
+                      </a:xfrm>
+                      <a:prstGeom prst="rect">
+                        <a:avLst/>
+                      </a:prstGeom>
+                    </p:spPr>
+                  </p:pic>
+                </p:oleObj>
+              </mc:Fallback>
+            </mc:AlternateContent>
+          </a:graphicData>
+        </a:graphic>
+      </p:graphicFrame>
+      <p:graphicFrame>
+        <p:nvGraphicFramePr>
+          <p:cNvPr id="4" name="Object 3"/>
+          <p:cNvGraphicFramePr>
+            <a:graphicFrameLocks noChangeAspect="1"/>
+          </p:cNvGraphicFramePr>
+          <p:nvPr>
+            <p:extLst>
+              <p:ext uri="{D42A27DB-BD31-4B8C-83A1-F6EECF244321}">
+                <p14:modId xmlns:p14="http://schemas.microsoft.com/office/powerpoint/2010/main" val="828386565"/>
+              </p:ext>
+            </p:extLst>
+          </p:nvPr>
+        </p:nvGraphicFramePr>
+        <p:xfrm>
+          <a:off x="5029200" y="4267200"/>
+          <a:ext cx="223838" cy="304800"/>
+        </p:xfrm>
+        <a:graphic>
+          <a:graphicData uri="http://schemas.openxmlformats.org/presentationml/2006/ole">
+            <mc:AlternateContent xmlns:mc="http://schemas.openxmlformats.org/markup-compatibility/2006">
+              <mc:Choice xmlns:v="urn:schemas-microsoft-com:vml" Requires="v">
+                <p:oleObj spid="_x0000_s7182" name="Equation" r:id="rId5" imgW="139680" imgH="190440" progId="Equation.DSMT4">
+                  <p:embed/>
+                </p:oleObj>
+              </mc:Choice>
+              <mc:Fallback>
+                <p:oleObj name="Equation" r:id="rId5" imgW="139680" imgH="190440" progId="Equation.DSMT4">
+                  <p:embed/>
+                  <p:pic>
+                    <p:nvPicPr>
+                      <p:cNvPr id="0" name=""/>
+                      <p:cNvPicPr/>
+                      <p:nvPr/>
+                    </p:nvPicPr>
+                    <p:blipFill>
+                      <a:blip r:embed="rId6"/>
+                      <a:stretch>
+                        <a:fillRect/>
+                      </a:stretch>
+                    </p:blipFill>
+                    <p:spPr>
+                      <a:xfrm>
+                        <a:off x="5029200" y="4267200"/>
+                        <a:ext cx="223838" cy="304800"/>
+                      </a:xfrm>
+                      <a:prstGeom prst="rect">
+                        <a:avLst/>
+                      </a:prstGeom>
+                    </p:spPr>
+                  </p:pic>
+                </p:oleObj>
+              </mc:Fallback>
+            </mc:AlternateContent>
+          </a:graphicData>
+        </a:graphic>
+      </p:graphicFrame>
     </p:spTree>
     <p:extLst>
       <p:ext uri="{BB962C8B-B14F-4D97-AF65-F5344CB8AC3E}">
@@ -34868,7 +35081,7 @@
       </p:sp>
       <p:sp>
         <p:nvSpPr>
-          <p:cNvPr id="3081" name="Rectangle 1028"/>
+          <p:cNvPr id="11" name="Rectangle 1049"/>
           <p:cNvSpPr>
             <a:spLocks noChangeArrowheads="1"/>
           </p:cNvSpPr>
@@ -34876,8 +35089,8 @@
         </p:nvSpPr>
         <p:spPr bwMode="auto">
           <a:xfrm>
-            <a:off x="609600" y="914400"/>
-            <a:ext cx="8001000" cy="5410200"/>
+            <a:off x="5486400" y="381000"/>
+            <a:ext cx="3276600" cy="430887"/>
           </a:xfrm>
           <a:prstGeom prst="rect">
             <a:avLst/>
@@ -34907,101 +35120,6 @@
           </a:extLst>
         </p:spPr>
         <p:txBody>
-          <a:bodyPr lIns="82058" tIns="41029" rIns="82058" bIns="41029"/>
-          <a:lstStyle/>
-          <a:p>
-            <a:pPr marL="342900" indent="-342900">
-              <a:spcBef>
-                <a:spcPct val="20000"/>
-              </a:spcBef>
-              <a:buSzPct val="120000"/>
-              <a:buFontTx/>
-              <a:buChar char="•"/>
-            </a:pPr>
-            <a:r>
-              <a:rPr lang="en-US" sz="2400" b="1" dirty="0" smtClean="0"/>
-              <a:t>Boston Office Asking Rent Distribution</a:t>
-            </a:r>
-            <a:endParaRPr lang="en-US" sz="2400" b="1" dirty="0" smtClean="0"/>
-          </a:p>
-          <a:p>
-            <a:pPr>
-              <a:spcBef>
-                <a:spcPct val="20000"/>
-              </a:spcBef>
-              <a:buSzPct val="120000"/>
-            </a:pPr>
-            <a:endParaRPr lang="en-US" sz="1200" b="1" dirty="0"/>
-          </a:p>
-          <a:p>
-            <a:pPr marL="800100" lvl="1" indent="-342900">
-              <a:spcBef>
-                <a:spcPct val="20000"/>
-              </a:spcBef>
-              <a:buSzPct val="75000"/>
-              <a:buFont typeface="Wingdings" pitchFamily="2" charset="2"/>
-              <a:buChar char="Ø"/>
-            </a:pPr>
-            <a:endParaRPr lang="en-US" sz="1400" dirty="0">
-              <a:cs typeface="Times New Roman" pitchFamily="18" charset="0"/>
-            </a:endParaRPr>
-          </a:p>
-          <a:p>
-            <a:pPr marL="342900" indent="-342900">
-              <a:lnSpc>
-                <a:spcPct val="90000"/>
-              </a:lnSpc>
-              <a:spcBef>
-                <a:spcPct val="20000"/>
-              </a:spcBef>
-              <a:buFont typeface="Arial" charset="0"/>
-              <a:buNone/>
-            </a:pPr>
-            <a:endParaRPr lang="en-US" sz="1400" dirty="0"/>
-          </a:p>
-        </p:txBody>
-      </p:sp>
-      <p:sp>
-        <p:nvSpPr>
-          <p:cNvPr id="11" name="Rectangle 1049"/>
-          <p:cNvSpPr>
-            <a:spLocks noChangeArrowheads="1"/>
-          </p:cNvSpPr>
-          <p:nvPr/>
-        </p:nvSpPr>
-        <p:spPr bwMode="auto">
-          <a:xfrm>
-            <a:off x="5486400" y="381000"/>
-            <a:ext cx="3276600" cy="430887"/>
-          </a:xfrm>
-          <a:prstGeom prst="rect">
-            <a:avLst/>
-          </a:prstGeom>
-          <a:noFill/>
-          <a:ln>
-            <a:noFill/>
-          </a:ln>
-          <a:extLst>
-            <a:ext uri="{909E8E84-426E-40DD-AFC4-6F175D3DCCD1}">
-              <a14:hiddenFill xmlns:a14="http://schemas.microsoft.com/office/drawing/2010/main">
-                <a:solidFill>
-                  <a:srgbClr val="FFFFFF"/>
-                </a:solidFill>
-              </a14:hiddenFill>
-            </a:ext>
-            <a:ext uri="{91240B29-F687-4F45-9708-019B960494DF}">
-              <a14:hiddenLine xmlns:a14="http://schemas.microsoft.com/office/drawing/2010/main" w="9525">
-                <a:solidFill>
-                  <a:srgbClr val="000000"/>
-                </a:solidFill>
-                <a:miter lim="800000"/>
-                <a:headEnd/>
-                <a:tailEnd/>
-              </a14:hiddenLine>
-            </a:ext>
-          </a:extLst>
-        </p:spPr>
-        <p:txBody>
           <a:bodyPr lIns="0" tIns="0" rIns="0" bIns="0">
             <a:spAutoFit/>
           </a:bodyPr>
@@ -35021,7 +35139,7 @@
       </p:sp>
       <p:pic>
         <p:nvPicPr>
-          <p:cNvPr id="2" name="Picture 1"/>
+          <p:cNvPr id="4" name="Picture 3"/>
           <p:cNvPicPr>
             <a:picLocks noChangeAspect="1"/>
           </p:cNvPicPr>
@@ -35041,14 +35159,108 @@
         </p:blipFill>
         <p:spPr>
           <a:xfrm>
-            <a:off x="838200" y="1341925"/>
-            <a:ext cx="7239000" cy="5516074"/>
+            <a:off x="896471" y="1143000"/>
+            <a:ext cx="7256929" cy="5607627"/>
           </a:xfrm>
           <a:prstGeom prst="rect">
             <a:avLst/>
           </a:prstGeom>
         </p:spPr>
       </p:pic>
+      <p:sp>
+        <p:nvSpPr>
+          <p:cNvPr id="3081" name="Rectangle 1028"/>
+          <p:cNvSpPr>
+            <a:spLocks noChangeArrowheads="1"/>
+          </p:cNvSpPr>
+          <p:nvPr/>
+        </p:nvSpPr>
+        <p:spPr bwMode="auto">
+          <a:xfrm>
+            <a:off x="609600" y="914400"/>
+            <a:ext cx="8001000" cy="5410200"/>
+          </a:xfrm>
+          <a:prstGeom prst="rect">
+            <a:avLst/>
+          </a:prstGeom>
+          <a:noFill/>
+          <a:ln>
+            <a:noFill/>
+          </a:ln>
+          <a:extLst>
+            <a:ext uri="{909E8E84-426E-40DD-AFC4-6F175D3DCCD1}">
+              <a14:hiddenFill xmlns:a14="http://schemas.microsoft.com/office/drawing/2010/main">
+                <a:solidFill>
+                  <a:srgbClr val="FFFFFF"/>
+                </a:solidFill>
+              </a14:hiddenFill>
+            </a:ext>
+            <a:ext uri="{91240B29-F687-4F45-9708-019B960494DF}">
+              <a14:hiddenLine xmlns:a14="http://schemas.microsoft.com/office/drawing/2010/main" w="9525">
+                <a:solidFill>
+                  <a:srgbClr val="000000"/>
+                </a:solidFill>
+                <a:miter lim="800000"/>
+                <a:headEnd/>
+                <a:tailEnd/>
+              </a14:hiddenLine>
+            </a:ext>
+          </a:extLst>
+        </p:spPr>
+        <p:txBody>
+          <a:bodyPr lIns="82058" tIns="41029" rIns="82058" bIns="41029"/>
+          <a:lstStyle/>
+          <a:p>
+            <a:pPr marL="342900" indent="-342900">
+              <a:spcBef>
+                <a:spcPct val="20000"/>
+              </a:spcBef>
+              <a:buSzPct val="120000"/>
+              <a:buFontTx/>
+              <a:buChar char="•"/>
+            </a:pPr>
+            <a:r>
+              <a:rPr lang="en-US" sz="2400" b="1" dirty="0" smtClean="0"/>
+              <a:t>Boston Office Asking Rent Distribution</a:t>
+            </a:r>
+          </a:p>
+          <a:p>
+            <a:pPr>
+              <a:spcBef>
+                <a:spcPct val="20000"/>
+              </a:spcBef>
+              <a:buSzPct val="120000"/>
+            </a:pPr>
+            <a:endParaRPr lang="en-US" sz="1200" b="1" dirty="0"/>
+          </a:p>
+          <a:p>
+            <a:pPr marL="800100" lvl="1" indent="-342900">
+              <a:spcBef>
+                <a:spcPct val="20000"/>
+              </a:spcBef>
+              <a:buSzPct val="75000"/>
+              <a:buFont typeface="Wingdings" pitchFamily="2" charset="2"/>
+              <a:buChar char="Ø"/>
+            </a:pPr>
+            <a:endParaRPr lang="en-US" sz="1400" dirty="0">
+              <a:cs typeface="Times New Roman" pitchFamily="18" charset="0"/>
+            </a:endParaRPr>
+          </a:p>
+          <a:p>
+            <a:pPr marL="342900" indent="-342900">
+              <a:lnSpc>
+                <a:spcPct val="90000"/>
+              </a:lnSpc>
+              <a:spcBef>
+                <a:spcPct val="20000"/>
+              </a:spcBef>
+              <a:buFont typeface="Arial" charset="0"/>
+              <a:buNone/>
+            </a:pPr>
+            <a:endParaRPr lang="en-US" sz="1400" dirty="0"/>
+          </a:p>
+        </p:txBody>
+      </p:sp>
     </p:spTree>
     <p:extLst>
       <p:ext uri="{BB962C8B-B14F-4D97-AF65-F5344CB8AC3E}">
@@ -35426,8 +35638,77 @@
             </a:pPr>
             <a:r>
               <a:rPr lang="en-US" sz="3200" b="1" dirty="0" smtClean="0"/>
-              <a:t>Spatial Correlation?</a:t>
-            </a:r>
+              <a:t>Spatial autocorrelation</a:t>
+            </a:r>
+          </a:p>
+          <a:p>
+            <a:pPr marL="800100" lvl="1" indent="-342900">
+              <a:spcBef>
+                <a:spcPct val="20000"/>
+              </a:spcBef>
+              <a:buSzPct val="120000"/>
+              <a:buFontTx/>
+              <a:buChar char="•"/>
+            </a:pPr>
+            <a:r>
+              <a:rPr lang="en-US" sz="2800" b="1" dirty="0" smtClean="0"/>
+              <a:t>Why spatial model is needed?</a:t>
+            </a:r>
+          </a:p>
+          <a:p>
+            <a:pPr marL="1257300" lvl="2" indent="-342900">
+              <a:spcBef>
+                <a:spcPct val="20000"/>
+              </a:spcBef>
+              <a:buSzPct val="120000"/>
+              <a:buFontTx/>
+              <a:buChar char="•"/>
+            </a:pPr>
+            <a:r>
+              <a:rPr lang="en-US" sz="2400" b="1" dirty="0" smtClean="0"/>
+              <a:t>In most applied data analysis, the observations were not mutually independent</a:t>
+            </a:r>
+          </a:p>
+          <a:p>
+            <a:pPr marL="800100" lvl="1" indent="-342900">
+              <a:spcBef>
+                <a:spcPct val="20000"/>
+              </a:spcBef>
+              <a:buSzPct val="120000"/>
+              <a:buFontTx/>
+              <a:buChar char="•"/>
+            </a:pPr>
+            <a:r>
+              <a:rPr lang="en-US" sz="2800" b="1" dirty="0" smtClean="0"/>
+              <a:t>A </a:t>
+            </a:r>
+            <a:r>
+              <a:rPr lang="en-US" sz="2800" b="1" dirty="0"/>
+              <a:t>wide range of scientific disciplines have encountered spatial autocorrelation among areal </a:t>
+            </a:r>
+            <a:r>
+              <a:rPr lang="en-US" sz="2800" b="1" dirty="0" smtClean="0"/>
+              <a:t>entities</a:t>
+            </a:r>
+          </a:p>
+          <a:p>
+            <a:pPr marL="800100" lvl="1" indent="-342900">
+              <a:spcBef>
+                <a:spcPct val="20000"/>
+              </a:spcBef>
+              <a:buSzPct val="120000"/>
+              <a:buFontTx/>
+              <a:buChar char="•"/>
+            </a:pPr>
+            <a:r>
+              <a:rPr lang="en-US" sz="2800" b="1" dirty="0" smtClean="0"/>
+              <a:t>Positive </a:t>
+            </a:r>
+            <a:r>
+              <a:rPr lang="en-US" sz="2800" b="1" dirty="0"/>
+              <a:t>spatial dependence tends to reduce the amount of information contained in the observations, because proximate observations can in part be used to predict each other</a:t>
+            </a:r>
+            <a:endParaRPr lang="en-US" sz="2800" b="1" dirty="0" smtClean="0"/>
           </a:p>
           <a:p>
             <a:pPr marL="342900" indent="-342900">
@@ -35912,6 +36193,1547 @@
             </a:pPr>
             <a:r>
               <a:rPr lang="en-US" sz="3200" b="1" dirty="0" smtClean="0"/>
+              <a:t>Spatial autocorrelation</a:t>
+            </a:r>
+          </a:p>
+          <a:p>
+            <a:pPr marL="800100" lvl="1" indent="-342900">
+              <a:spcBef>
+                <a:spcPct val="20000"/>
+              </a:spcBef>
+              <a:buSzPct val="120000"/>
+              <a:buFontTx/>
+              <a:buChar char="•"/>
+            </a:pPr>
+            <a:r>
+              <a:rPr lang="en-US" sz="3200" b="1" dirty="0" smtClean="0"/>
+              <a:t>Fit models with spatial autocorrelation is challenging.</a:t>
+            </a:r>
+          </a:p>
+          <a:p>
+            <a:pPr marL="800100" lvl="1" indent="-342900">
+              <a:spcBef>
+                <a:spcPct val="20000"/>
+              </a:spcBef>
+              <a:buSzPct val="120000"/>
+              <a:buFontTx/>
+              <a:buChar char="•"/>
+            </a:pPr>
+            <a:endParaRPr lang="en-US" sz="3200" b="1" dirty="0" smtClean="0"/>
+          </a:p>
+          <a:p>
+            <a:pPr marL="800100" lvl="1" indent="-342900">
+              <a:spcBef>
+                <a:spcPct val="20000"/>
+              </a:spcBef>
+              <a:buSzPct val="120000"/>
+              <a:buFontTx/>
+              <a:buChar char="•"/>
+            </a:pPr>
+            <a:r>
+              <a:rPr lang="en-US" sz="3200" b="1" dirty="0" smtClean="0"/>
+              <a:t>The spatial autocorrelation may actually come from model misspecification</a:t>
+            </a:r>
+          </a:p>
+          <a:p>
+            <a:pPr marL="1257300" lvl="2" indent="-342900">
+              <a:spcBef>
+                <a:spcPct val="20000"/>
+              </a:spcBef>
+              <a:buSzPct val="120000"/>
+              <a:buFontTx/>
+              <a:buChar char="•"/>
+            </a:pPr>
+            <a:r>
+              <a:rPr lang="en-US" sz="2800" b="1" dirty="0" err="1" smtClean="0"/>
+              <a:t>Heteroskedasticity</a:t>
+            </a:r>
+            <a:endParaRPr lang="en-US" sz="2800" b="1" dirty="0" smtClean="0"/>
+          </a:p>
+          <a:p>
+            <a:pPr marL="1257300" lvl="2" indent="-342900">
+              <a:spcBef>
+                <a:spcPct val="20000"/>
+              </a:spcBef>
+              <a:buSzPct val="120000"/>
+              <a:buFontTx/>
+              <a:buChar char="•"/>
+            </a:pPr>
+            <a:r>
+              <a:rPr lang="en-US" sz="2800" b="1" dirty="0" smtClean="0"/>
+              <a:t>Missing covariates</a:t>
+            </a:r>
+          </a:p>
+          <a:p>
+            <a:pPr marL="1257300" lvl="2" indent="-342900">
+              <a:spcBef>
+                <a:spcPct val="20000"/>
+              </a:spcBef>
+              <a:buSzPct val="120000"/>
+              <a:buFontTx/>
+              <a:buChar char="•"/>
+            </a:pPr>
+            <a:r>
+              <a:rPr lang="en-US" sz="2800" b="1" dirty="0" smtClean="0"/>
+              <a:t>Function form</a:t>
+            </a:r>
+          </a:p>
+          <a:p>
+            <a:pPr>
+              <a:spcBef>
+                <a:spcPct val="20000"/>
+              </a:spcBef>
+              <a:buSzPct val="120000"/>
+            </a:pPr>
+            <a:endParaRPr lang="en-US" sz="1200" b="1" dirty="0"/>
+          </a:p>
+          <a:p>
+            <a:pPr marL="800100" lvl="1" indent="-342900">
+              <a:spcBef>
+                <a:spcPct val="20000"/>
+              </a:spcBef>
+              <a:buSzPct val="75000"/>
+              <a:buFont typeface="Wingdings" pitchFamily="2" charset="2"/>
+              <a:buChar char="Ø"/>
+            </a:pPr>
+            <a:endParaRPr lang="en-US" sz="1400" dirty="0">
+              <a:cs typeface="Times New Roman" pitchFamily="18" charset="0"/>
+            </a:endParaRPr>
+          </a:p>
+          <a:p>
+            <a:pPr marL="342900" indent="-342900">
+              <a:lnSpc>
+                <a:spcPct val="90000"/>
+              </a:lnSpc>
+              <a:spcBef>
+                <a:spcPct val="20000"/>
+              </a:spcBef>
+              <a:buFont typeface="Arial" charset="0"/>
+              <a:buNone/>
+            </a:pPr>
+            <a:endParaRPr lang="en-US" sz="1400" dirty="0"/>
+          </a:p>
+        </p:txBody>
+      </p:sp>
+      <p:sp>
+        <p:nvSpPr>
+          <p:cNvPr id="11" name="Rectangle 1049"/>
+          <p:cNvSpPr>
+            <a:spLocks noChangeArrowheads="1"/>
+          </p:cNvSpPr>
+          <p:nvPr/>
+        </p:nvSpPr>
+        <p:spPr bwMode="auto">
+          <a:xfrm>
+            <a:off x="5486400" y="381000"/>
+            <a:ext cx="3276600" cy="430887"/>
+          </a:xfrm>
+          <a:prstGeom prst="rect">
+            <a:avLst/>
+          </a:prstGeom>
+          <a:noFill/>
+          <a:ln>
+            <a:noFill/>
+          </a:ln>
+          <a:extLst>
+            <a:ext uri="{909E8E84-426E-40DD-AFC4-6F175D3DCCD1}">
+              <a14:hiddenFill xmlns:a14="http://schemas.microsoft.com/office/drawing/2010/main">
+                <a:solidFill>
+                  <a:srgbClr val="FFFFFF"/>
+                </a:solidFill>
+              </a14:hiddenFill>
+            </a:ext>
+            <a:ext uri="{91240B29-F687-4F45-9708-019B960494DF}">
+              <a14:hiddenLine xmlns:a14="http://schemas.microsoft.com/office/drawing/2010/main" w="9525">
+                <a:solidFill>
+                  <a:srgbClr val="000000"/>
+                </a:solidFill>
+                <a:miter lim="800000"/>
+                <a:headEnd/>
+                <a:tailEnd/>
+              </a14:hiddenLine>
+            </a:ext>
+          </a:extLst>
+        </p:spPr>
+        <p:txBody>
+          <a:bodyPr lIns="0" tIns="0" rIns="0" bIns="0">
+            <a:spAutoFit/>
+          </a:bodyPr>
+          <a:lstStyle/>
+          <a:p>
+            <a:pPr algn="r"/>
+            <a:r>
+              <a:rPr lang="en-US" sz="2800" b="1" dirty="0" smtClean="0">
+                <a:solidFill>
+                  <a:srgbClr val="EE3124"/>
+                </a:solidFill>
+              </a:rPr>
+              <a:t>Spatial Model</a:t>
+            </a:r>
+          </a:p>
+        </p:txBody>
+      </p:sp>
+    </p:spTree>
+    <p:extLst>
+      <p:ext uri="{BB962C8B-B14F-4D97-AF65-F5344CB8AC3E}">
+        <p14:creationId xmlns:p14="http://schemas.microsoft.com/office/powerpoint/2010/main" val="4053028951"/>
+      </p:ext>
+    </p:extLst>
+  </p:cSld>
+  <p:clrMapOvr>
+    <a:masterClrMapping/>
+  </p:clrMapOvr>
+  <p:timing>
+    <p:tnLst>
+      <p:par>
+        <p:cTn id="1" dur="indefinite" restart="never" nodeType="tmRoot"/>
+      </p:par>
+    </p:tnLst>
+  </p:timing>
+</p:sld>
+</file>
+
+<file path=ppt/slides/slide63.xml><?xml version="1.0" encoding="utf-8"?>
+<p:sld xmlns:a="http://schemas.openxmlformats.org/drawingml/2006/main" xmlns:r="http://schemas.openxmlformats.org/officeDocument/2006/relationships" xmlns:p="http://schemas.openxmlformats.org/presentationml/2006/main">
+  <p:cSld>
+    <p:spTree>
+      <p:nvGrpSpPr>
+        <p:cNvPr id="1" name=""/>
+        <p:cNvGrpSpPr/>
+        <p:nvPr/>
+      </p:nvGrpSpPr>
+      <p:grpSpPr>
+        <a:xfrm>
+          <a:off x="0" y="0"/>
+          <a:ext cx="0" cy="0"/>
+          <a:chOff x="0" y="0"/>
+          <a:chExt cx="0" cy="0"/>
+        </a:xfrm>
+      </p:grpSpPr>
+      <p:sp>
+        <p:nvSpPr>
+          <p:cNvPr id="3076" name="AutoShape 1036" descr="1701 S 16th St - click for full-size image"/>
+          <p:cNvSpPr>
+            <a:spLocks noChangeAspect="1" noChangeArrowheads="1"/>
+          </p:cNvSpPr>
+          <p:nvPr/>
+        </p:nvSpPr>
+        <p:spPr bwMode="auto">
+          <a:xfrm>
+            <a:off x="4419600" y="2914650"/>
+            <a:ext cx="296863" cy="296863"/>
+          </a:xfrm>
+          <a:prstGeom prst="rect">
+            <a:avLst/>
+          </a:prstGeom>
+          <a:noFill/>
+          <a:ln>
+            <a:noFill/>
+          </a:ln>
+          <a:extLst>
+            <a:ext uri="{909E8E84-426E-40DD-AFC4-6F175D3DCCD1}">
+              <a14:hiddenFill xmlns:a14="http://schemas.microsoft.com/office/drawing/2010/main">
+                <a:solidFill>
+                  <a:srgbClr val="FFFFFF"/>
+                </a:solidFill>
+              </a14:hiddenFill>
+            </a:ext>
+            <a:ext uri="{91240B29-F687-4F45-9708-019B960494DF}">
+              <a14:hiddenLine xmlns:a14="http://schemas.microsoft.com/office/drawing/2010/main" w="9525">
+                <a:solidFill>
+                  <a:srgbClr val="000000"/>
+                </a:solidFill>
+                <a:miter lim="800000"/>
+                <a:headEnd/>
+                <a:tailEnd/>
+              </a14:hiddenLine>
+            </a:ext>
+          </a:extLst>
+        </p:spPr>
+        <p:txBody>
+          <a:bodyPr/>
+          <a:lstStyle/>
+          <a:p>
+            <a:endParaRPr lang="en-US"/>
+          </a:p>
+        </p:txBody>
+      </p:sp>
+      <p:sp>
+        <p:nvSpPr>
+          <p:cNvPr id="3078" name="AutoShape 1041" descr="1701 S 16th St - click for full-size image"/>
+          <p:cNvSpPr>
+            <a:spLocks noChangeAspect="1" noChangeArrowheads="1"/>
+          </p:cNvSpPr>
+          <p:nvPr/>
+        </p:nvSpPr>
+        <p:spPr bwMode="auto">
+          <a:xfrm>
+            <a:off x="4419600" y="2914650"/>
+            <a:ext cx="296863" cy="296863"/>
+          </a:xfrm>
+          <a:prstGeom prst="rect">
+            <a:avLst/>
+          </a:prstGeom>
+          <a:noFill/>
+          <a:ln>
+            <a:noFill/>
+          </a:ln>
+          <a:extLst>
+            <a:ext uri="{909E8E84-426E-40DD-AFC4-6F175D3DCCD1}">
+              <a14:hiddenFill xmlns:a14="http://schemas.microsoft.com/office/drawing/2010/main">
+                <a:solidFill>
+                  <a:srgbClr val="FFFFFF"/>
+                </a:solidFill>
+              </a14:hiddenFill>
+            </a:ext>
+            <a:ext uri="{91240B29-F687-4F45-9708-019B960494DF}">
+              <a14:hiddenLine xmlns:a14="http://schemas.microsoft.com/office/drawing/2010/main" w="9525">
+                <a:solidFill>
+                  <a:srgbClr val="000000"/>
+                </a:solidFill>
+                <a:miter lim="800000"/>
+                <a:headEnd/>
+                <a:tailEnd/>
+              </a14:hiddenLine>
+            </a:ext>
+          </a:extLst>
+        </p:spPr>
+        <p:txBody>
+          <a:bodyPr/>
+          <a:lstStyle/>
+          <a:p>
+            <a:endParaRPr lang="en-US"/>
+          </a:p>
+        </p:txBody>
+      </p:sp>
+      <p:sp>
+        <p:nvSpPr>
+          <p:cNvPr id="3079" name="Rectangle 1049"/>
+          <p:cNvSpPr>
+            <a:spLocks noChangeArrowheads="1"/>
+          </p:cNvSpPr>
+          <p:nvPr/>
+        </p:nvSpPr>
+        <p:spPr bwMode="auto">
+          <a:xfrm>
+            <a:off x="685800" y="365125"/>
+            <a:ext cx="3924300" cy="430887"/>
+          </a:xfrm>
+          <a:prstGeom prst="rect">
+            <a:avLst/>
+          </a:prstGeom>
+          <a:noFill/>
+          <a:ln>
+            <a:noFill/>
+          </a:ln>
+          <a:extLst>
+            <a:ext uri="{909E8E84-426E-40DD-AFC4-6F175D3DCCD1}">
+              <a14:hiddenFill xmlns:a14="http://schemas.microsoft.com/office/drawing/2010/main">
+                <a:solidFill>
+                  <a:srgbClr val="FFFFFF"/>
+                </a:solidFill>
+              </a14:hiddenFill>
+            </a:ext>
+            <a:ext uri="{91240B29-F687-4F45-9708-019B960494DF}">
+              <a14:hiddenLine xmlns:a14="http://schemas.microsoft.com/office/drawing/2010/main" w="9525">
+                <a:solidFill>
+                  <a:srgbClr val="000000"/>
+                </a:solidFill>
+                <a:miter lim="800000"/>
+                <a:headEnd/>
+                <a:tailEnd/>
+              </a14:hiddenLine>
+            </a:ext>
+          </a:extLst>
+        </p:spPr>
+        <p:txBody>
+          <a:bodyPr wrap="square" lIns="0" tIns="0" rIns="0" bIns="0">
+            <a:spAutoFit/>
+          </a:bodyPr>
+          <a:lstStyle/>
+          <a:p>
+            <a:r>
+              <a:rPr lang="en-US" sz="2800" b="1" dirty="0" smtClean="0">
+                <a:solidFill>
+                  <a:srgbClr val="EE3124"/>
+                </a:solidFill>
+              </a:rPr>
+              <a:t>Modeling and Analysis</a:t>
+            </a:r>
+          </a:p>
+        </p:txBody>
+      </p:sp>
+      <p:sp>
+        <p:nvSpPr>
+          <p:cNvPr id="3081" name="Rectangle 1028"/>
+          <p:cNvSpPr>
+            <a:spLocks noChangeArrowheads="1"/>
+          </p:cNvSpPr>
+          <p:nvPr/>
+        </p:nvSpPr>
+        <p:spPr bwMode="auto">
+          <a:xfrm>
+            <a:off x="609600" y="914400"/>
+            <a:ext cx="8001000" cy="5410200"/>
+          </a:xfrm>
+          <a:prstGeom prst="rect">
+            <a:avLst/>
+          </a:prstGeom>
+          <a:noFill/>
+          <a:ln>
+            <a:noFill/>
+          </a:ln>
+          <a:extLst>
+            <a:ext uri="{909E8E84-426E-40DD-AFC4-6F175D3DCCD1}">
+              <a14:hiddenFill xmlns:a14="http://schemas.microsoft.com/office/drawing/2010/main">
+                <a:solidFill>
+                  <a:srgbClr val="FFFFFF"/>
+                </a:solidFill>
+              </a14:hiddenFill>
+            </a:ext>
+            <a:ext uri="{91240B29-F687-4F45-9708-019B960494DF}">
+              <a14:hiddenLine xmlns:a14="http://schemas.microsoft.com/office/drawing/2010/main" w="9525">
+                <a:solidFill>
+                  <a:srgbClr val="000000"/>
+                </a:solidFill>
+                <a:miter lim="800000"/>
+                <a:headEnd/>
+                <a:tailEnd/>
+              </a14:hiddenLine>
+            </a:ext>
+          </a:extLst>
+        </p:spPr>
+        <p:txBody>
+          <a:bodyPr lIns="82058" tIns="41029" rIns="82058" bIns="41029"/>
+          <a:lstStyle/>
+          <a:p>
+            <a:pPr marL="342900" indent="-342900">
+              <a:spcBef>
+                <a:spcPct val="20000"/>
+              </a:spcBef>
+              <a:buSzPct val="120000"/>
+              <a:buFontTx/>
+              <a:buChar char="•"/>
+            </a:pPr>
+            <a:r>
+              <a:rPr lang="en-US" sz="3200" b="1" dirty="0" smtClean="0"/>
+              <a:t>Spatial </a:t>
+            </a:r>
+            <a:r>
+              <a:rPr lang="en-US" sz="3200" b="1" dirty="0" smtClean="0"/>
+              <a:t>autocorrelation</a:t>
+            </a:r>
+          </a:p>
+          <a:p>
+            <a:pPr marL="800100" lvl="1" indent="-342900">
+              <a:spcBef>
+                <a:spcPct val="20000"/>
+              </a:spcBef>
+              <a:buSzPct val="120000"/>
+              <a:buFontTx/>
+              <a:buChar char="•"/>
+            </a:pPr>
+            <a:r>
+              <a:rPr lang="en-US" sz="3200" b="1" dirty="0" smtClean="0"/>
+              <a:t>Constant quality Moran’s I test</a:t>
+            </a:r>
+          </a:p>
+          <a:p>
+            <a:pPr marL="800100" lvl="1" indent="-342900">
+              <a:spcBef>
+                <a:spcPct val="20000"/>
+              </a:spcBef>
+              <a:buSzPct val="120000"/>
+              <a:buFontTx/>
+              <a:buChar char="•"/>
+            </a:pPr>
+            <a:endParaRPr lang="en-US" sz="3200" b="1" dirty="0" smtClean="0"/>
+          </a:p>
+          <a:p>
+            <a:pPr>
+              <a:spcBef>
+                <a:spcPct val="20000"/>
+              </a:spcBef>
+              <a:buSzPct val="120000"/>
+            </a:pPr>
+            <a:endParaRPr lang="en-US" sz="1200" b="1" dirty="0"/>
+          </a:p>
+          <a:p>
+            <a:pPr marL="800100" lvl="1" indent="-342900">
+              <a:spcBef>
+                <a:spcPct val="20000"/>
+              </a:spcBef>
+              <a:buSzPct val="75000"/>
+              <a:buFont typeface="Wingdings" pitchFamily="2" charset="2"/>
+              <a:buChar char="Ø"/>
+            </a:pPr>
+            <a:endParaRPr lang="en-US" sz="1400" dirty="0">
+              <a:cs typeface="Times New Roman" pitchFamily="18" charset="0"/>
+            </a:endParaRPr>
+          </a:p>
+          <a:p>
+            <a:pPr marL="342900" indent="-342900">
+              <a:lnSpc>
+                <a:spcPct val="90000"/>
+              </a:lnSpc>
+              <a:spcBef>
+                <a:spcPct val="20000"/>
+              </a:spcBef>
+              <a:buFont typeface="Arial" charset="0"/>
+              <a:buNone/>
+            </a:pPr>
+            <a:endParaRPr lang="en-US" sz="1400" dirty="0"/>
+          </a:p>
+        </p:txBody>
+      </p:sp>
+      <p:sp>
+        <p:nvSpPr>
+          <p:cNvPr id="11" name="Rectangle 1049"/>
+          <p:cNvSpPr>
+            <a:spLocks noChangeArrowheads="1"/>
+          </p:cNvSpPr>
+          <p:nvPr/>
+        </p:nvSpPr>
+        <p:spPr bwMode="auto">
+          <a:xfrm>
+            <a:off x="5486400" y="381000"/>
+            <a:ext cx="3276600" cy="430887"/>
+          </a:xfrm>
+          <a:prstGeom prst="rect">
+            <a:avLst/>
+          </a:prstGeom>
+          <a:noFill/>
+          <a:ln>
+            <a:noFill/>
+          </a:ln>
+          <a:extLst>
+            <a:ext uri="{909E8E84-426E-40DD-AFC4-6F175D3DCCD1}">
+              <a14:hiddenFill xmlns:a14="http://schemas.microsoft.com/office/drawing/2010/main">
+                <a:solidFill>
+                  <a:srgbClr val="FFFFFF"/>
+                </a:solidFill>
+              </a14:hiddenFill>
+            </a:ext>
+            <a:ext uri="{91240B29-F687-4F45-9708-019B960494DF}">
+              <a14:hiddenLine xmlns:a14="http://schemas.microsoft.com/office/drawing/2010/main" w="9525">
+                <a:solidFill>
+                  <a:srgbClr val="000000"/>
+                </a:solidFill>
+                <a:miter lim="800000"/>
+                <a:headEnd/>
+                <a:tailEnd/>
+              </a14:hiddenLine>
+            </a:ext>
+          </a:extLst>
+        </p:spPr>
+        <p:txBody>
+          <a:bodyPr lIns="0" tIns="0" rIns="0" bIns="0">
+            <a:spAutoFit/>
+          </a:bodyPr>
+          <a:lstStyle/>
+          <a:p>
+            <a:pPr algn="r"/>
+            <a:r>
+              <a:rPr lang="en-US" sz="2800" b="1" dirty="0" smtClean="0">
+                <a:solidFill>
+                  <a:srgbClr val="EE3124"/>
+                </a:solidFill>
+              </a:rPr>
+              <a:t>Spatial Model</a:t>
+            </a:r>
+          </a:p>
+        </p:txBody>
+      </p:sp>
+      <p:graphicFrame>
+        <p:nvGraphicFramePr>
+          <p:cNvPr id="3" name="Object 2"/>
+          <p:cNvGraphicFramePr>
+            <a:graphicFrameLocks noChangeAspect="1"/>
+          </p:cNvGraphicFramePr>
+          <p:nvPr>
+            <p:extLst>
+              <p:ext uri="{D42A27DB-BD31-4B8C-83A1-F6EECF244321}">
+                <p14:modId xmlns:p14="http://schemas.microsoft.com/office/powerpoint/2010/main" val="1930914473"/>
+              </p:ext>
+            </p:extLst>
+          </p:nvPr>
+        </p:nvGraphicFramePr>
+        <p:xfrm>
+          <a:off x="1421559" y="3124200"/>
+          <a:ext cx="7265241" cy="2846841"/>
+        </p:xfrm>
+        <a:graphic>
+          <a:graphicData uri="http://schemas.openxmlformats.org/presentationml/2006/ole">
+            <mc:AlternateContent xmlns:mc="http://schemas.openxmlformats.org/markup-compatibility/2006">
+              <mc:Choice xmlns:v="urn:schemas-microsoft-com:vml" Requires="v">
+                <p:oleObj spid="_x0000_s8199" name="Worksheet" r:id="rId3" imgW="5372033" imgH="2104994" progId="Excel.Sheet.12">
+                  <p:embed/>
+                </p:oleObj>
+              </mc:Choice>
+              <mc:Fallback>
+                <p:oleObj name="Worksheet" r:id="rId3" imgW="5372033" imgH="2104994" progId="Excel.Sheet.12">
+                  <p:embed/>
+                  <p:pic>
+                    <p:nvPicPr>
+                      <p:cNvPr id="0" name=""/>
+                      <p:cNvPicPr/>
+                      <p:nvPr/>
+                    </p:nvPicPr>
+                    <p:blipFill>
+                      <a:blip r:embed="rId4"/>
+                      <a:stretch>
+                        <a:fillRect/>
+                      </a:stretch>
+                    </p:blipFill>
+                    <p:spPr>
+                      <a:xfrm>
+                        <a:off x="1421559" y="3124200"/>
+                        <a:ext cx="7265241" cy="2846841"/>
+                      </a:xfrm>
+                      <a:prstGeom prst="rect">
+                        <a:avLst/>
+                      </a:prstGeom>
+                    </p:spPr>
+                  </p:pic>
+                </p:oleObj>
+              </mc:Fallback>
+            </mc:AlternateContent>
+          </a:graphicData>
+        </a:graphic>
+      </p:graphicFrame>
+      <p:graphicFrame>
+        <p:nvGraphicFramePr>
+          <p:cNvPr id="6" name="Object 5"/>
+          <p:cNvGraphicFramePr>
+            <a:graphicFrameLocks noChangeAspect="1"/>
+          </p:cNvGraphicFramePr>
+          <p:nvPr>
+            <p:extLst>
+              <p:ext uri="{D42A27DB-BD31-4B8C-83A1-F6EECF244321}">
+                <p14:modId xmlns:p14="http://schemas.microsoft.com/office/powerpoint/2010/main" val="988846006"/>
+              </p:ext>
+            </p:extLst>
+          </p:nvPr>
+        </p:nvGraphicFramePr>
+        <p:xfrm>
+          <a:off x="1524000" y="2133600"/>
+          <a:ext cx="7012747" cy="735013"/>
+        </p:xfrm>
+        <a:graphic>
+          <a:graphicData uri="http://schemas.openxmlformats.org/presentationml/2006/ole">
+            <mc:AlternateContent xmlns:mc="http://schemas.openxmlformats.org/markup-compatibility/2006">
+              <mc:Choice xmlns:v="urn:schemas-microsoft-com:vml" Requires="v">
+                <p:oleObj spid="_x0000_s8200" name="Worksheet" r:id="rId5" imgW="5543584" imgH="580893" progId="Excel.Sheet.12">
+                  <p:embed/>
+                </p:oleObj>
+              </mc:Choice>
+              <mc:Fallback>
+                <p:oleObj name="Worksheet" r:id="rId5" imgW="5543584" imgH="580893" progId="Excel.Sheet.12">
+                  <p:embed/>
+                  <p:pic>
+                    <p:nvPicPr>
+                      <p:cNvPr id="0" name=""/>
+                      <p:cNvPicPr/>
+                      <p:nvPr/>
+                    </p:nvPicPr>
+                    <p:blipFill>
+                      <a:blip r:embed="rId6"/>
+                      <a:stretch>
+                        <a:fillRect/>
+                      </a:stretch>
+                    </p:blipFill>
+                    <p:spPr>
+                      <a:xfrm>
+                        <a:off x="1524000" y="2133600"/>
+                        <a:ext cx="7012747" cy="735013"/>
+                      </a:xfrm>
+                      <a:prstGeom prst="rect">
+                        <a:avLst/>
+                      </a:prstGeom>
+                    </p:spPr>
+                  </p:pic>
+                </p:oleObj>
+              </mc:Fallback>
+            </mc:AlternateContent>
+          </a:graphicData>
+        </a:graphic>
+      </p:graphicFrame>
+    </p:spTree>
+    <p:extLst>
+      <p:ext uri="{BB962C8B-B14F-4D97-AF65-F5344CB8AC3E}">
+        <p14:creationId xmlns:p14="http://schemas.microsoft.com/office/powerpoint/2010/main" val="1582031840"/>
+      </p:ext>
+    </p:extLst>
+  </p:cSld>
+  <p:clrMapOvr>
+    <a:masterClrMapping/>
+  </p:clrMapOvr>
+  <p:timing>
+    <p:tnLst>
+      <p:par>
+        <p:cTn id="1" dur="indefinite" restart="never" nodeType="tmRoot"/>
+      </p:par>
+    </p:tnLst>
+  </p:timing>
+</p:sld>
+</file>
+
+<file path=ppt/slides/slide64.xml><?xml version="1.0" encoding="utf-8"?>
+<p:sld xmlns:a="http://schemas.openxmlformats.org/drawingml/2006/main" xmlns:r="http://schemas.openxmlformats.org/officeDocument/2006/relationships" xmlns:p="http://schemas.openxmlformats.org/presentationml/2006/main">
+  <p:cSld>
+    <p:spTree>
+      <p:nvGrpSpPr>
+        <p:cNvPr id="1" name=""/>
+        <p:cNvGrpSpPr/>
+        <p:nvPr/>
+      </p:nvGrpSpPr>
+      <p:grpSpPr>
+        <a:xfrm>
+          <a:off x="0" y="0"/>
+          <a:ext cx="0" cy="0"/>
+          <a:chOff x="0" y="0"/>
+          <a:chExt cx="0" cy="0"/>
+        </a:xfrm>
+      </p:grpSpPr>
+      <p:sp>
+        <p:nvSpPr>
+          <p:cNvPr id="3076" name="AutoShape 1036" descr="1701 S 16th St - click for full-size image"/>
+          <p:cNvSpPr>
+            <a:spLocks noChangeAspect="1" noChangeArrowheads="1"/>
+          </p:cNvSpPr>
+          <p:nvPr/>
+        </p:nvSpPr>
+        <p:spPr bwMode="auto">
+          <a:xfrm>
+            <a:off x="4419600" y="2914650"/>
+            <a:ext cx="296863" cy="296863"/>
+          </a:xfrm>
+          <a:prstGeom prst="rect">
+            <a:avLst/>
+          </a:prstGeom>
+          <a:noFill/>
+          <a:ln>
+            <a:noFill/>
+          </a:ln>
+          <a:extLst>
+            <a:ext uri="{909E8E84-426E-40DD-AFC4-6F175D3DCCD1}">
+              <a14:hiddenFill xmlns:a14="http://schemas.microsoft.com/office/drawing/2010/main">
+                <a:solidFill>
+                  <a:srgbClr val="FFFFFF"/>
+                </a:solidFill>
+              </a14:hiddenFill>
+            </a:ext>
+            <a:ext uri="{91240B29-F687-4F45-9708-019B960494DF}">
+              <a14:hiddenLine xmlns:a14="http://schemas.microsoft.com/office/drawing/2010/main" w="9525">
+                <a:solidFill>
+                  <a:srgbClr val="000000"/>
+                </a:solidFill>
+                <a:miter lim="800000"/>
+                <a:headEnd/>
+                <a:tailEnd/>
+              </a14:hiddenLine>
+            </a:ext>
+          </a:extLst>
+        </p:spPr>
+        <p:txBody>
+          <a:bodyPr/>
+          <a:lstStyle/>
+          <a:p>
+            <a:endParaRPr lang="en-US"/>
+          </a:p>
+        </p:txBody>
+      </p:sp>
+      <p:sp>
+        <p:nvSpPr>
+          <p:cNvPr id="3078" name="AutoShape 1041" descr="1701 S 16th St - click for full-size image"/>
+          <p:cNvSpPr>
+            <a:spLocks noChangeAspect="1" noChangeArrowheads="1"/>
+          </p:cNvSpPr>
+          <p:nvPr/>
+        </p:nvSpPr>
+        <p:spPr bwMode="auto">
+          <a:xfrm>
+            <a:off x="4419600" y="2914650"/>
+            <a:ext cx="296863" cy="296863"/>
+          </a:xfrm>
+          <a:prstGeom prst="rect">
+            <a:avLst/>
+          </a:prstGeom>
+          <a:noFill/>
+          <a:ln>
+            <a:noFill/>
+          </a:ln>
+          <a:extLst>
+            <a:ext uri="{909E8E84-426E-40DD-AFC4-6F175D3DCCD1}">
+              <a14:hiddenFill xmlns:a14="http://schemas.microsoft.com/office/drawing/2010/main">
+                <a:solidFill>
+                  <a:srgbClr val="FFFFFF"/>
+                </a:solidFill>
+              </a14:hiddenFill>
+            </a:ext>
+            <a:ext uri="{91240B29-F687-4F45-9708-019B960494DF}">
+              <a14:hiddenLine xmlns:a14="http://schemas.microsoft.com/office/drawing/2010/main" w="9525">
+                <a:solidFill>
+                  <a:srgbClr val="000000"/>
+                </a:solidFill>
+                <a:miter lim="800000"/>
+                <a:headEnd/>
+                <a:tailEnd/>
+              </a14:hiddenLine>
+            </a:ext>
+          </a:extLst>
+        </p:spPr>
+        <p:txBody>
+          <a:bodyPr/>
+          <a:lstStyle/>
+          <a:p>
+            <a:endParaRPr lang="en-US"/>
+          </a:p>
+        </p:txBody>
+      </p:sp>
+      <p:sp>
+        <p:nvSpPr>
+          <p:cNvPr id="3079" name="Rectangle 1049"/>
+          <p:cNvSpPr>
+            <a:spLocks noChangeArrowheads="1"/>
+          </p:cNvSpPr>
+          <p:nvPr/>
+        </p:nvSpPr>
+        <p:spPr bwMode="auto">
+          <a:xfrm>
+            <a:off x="685800" y="365125"/>
+            <a:ext cx="3924300" cy="430887"/>
+          </a:xfrm>
+          <a:prstGeom prst="rect">
+            <a:avLst/>
+          </a:prstGeom>
+          <a:noFill/>
+          <a:ln>
+            <a:noFill/>
+          </a:ln>
+          <a:extLst>
+            <a:ext uri="{909E8E84-426E-40DD-AFC4-6F175D3DCCD1}">
+              <a14:hiddenFill xmlns:a14="http://schemas.microsoft.com/office/drawing/2010/main">
+                <a:solidFill>
+                  <a:srgbClr val="FFFFFF"/>
+                </a:solidFill>
+              </a14:hiddenFill>
+            </a:ext>
+            <a:ext uri="{91240B29-F687-4F45-9708-019B960494DF}">
+              <a14:hiddenLine xmlns:a14="http://schemas.microsoft.com/office/drawing/2010/main" w="9525">
+                <a:solidFill>
+                  <a:srgbClr val="000000"/>
+                </a:solidFill>
+                <a:miter lim="800000"/>
+                <a:headEnd/>
+                <a:tailEnd/>
+              </a14:hiddenLine>
+            </a:ext>
+          </a:extLst>
+        </p:spPr>
+        <p:txBody>
+          <a:bodyPr wrap="square" lIns="0" tIns="0" rIns="0" bIns="0">
+            <a:spAutoFit/>
+          </a:bodyPr>
+          <a:lstStyle/>
+          <a:p>
+            <a:r>
+              <a:rPr lang="en-US" sz="2800" b="1" dirty="0" smtClean="0">
+                <a:solidFill>
+                  <a:srgbClr val="EE3124"/>
+                </a:solidFill>
+              </a:rPr>
+              <a:t>Modeling and Analysis</a:t>
+            </a:r>
+          </a:p>
+        </p:txBody>
+      </p:sp>
+      <p:sp>
+        <p:nvSpPr>
+          <p:cNvPr id="3081" name="Rectangle 1028"/>
+          <p:cNvSpPr>
+            <a:spLocks noChangeArrowheads="1"/>
+          </p:cNvSpPr>
+          <p:nvPr/>
+        </p:nvSpPr>
+        <p:spPr bwMode="auto">
+          <a:xfrm>
+            <a:off x="609600" y="914400"/>
+            <a:ext cx="8001000" cy="5410200"/>
+          </a:xfrm>
+          <a:prstGeom prst="rect">
+            <a:avLst/>
+          </a:prstGeom>
+          <a:noFill/>
+          <a:ln>
+            <a:noFill/>
+          </a:ln>
+          <a:extLst>
+            <a:ext uri="{909E8E84-426E-40DD-AFC4-6F175D3DCCD1}">
+              <a14:hiddenFill xmlns:a14="http://schemas.microsoft.com/office/drawing/2010/main">
+                <a:solidFill>
+                  <a:srgbClr val="FFFFFF"/>
+                </a:solidFill>
+              </a14:hiddenFill>
+            </a:ext>
+            <a:ext uri="{91240B29-F687-4F45-9708-019B960494DF}">
+              <a14:hiddenLine xmlns:a14="http://schemas.microsoft.com/office/drawing/2010/main" w="9525">
+                <a:solidFill>
+                  <a:srgbClr val="000000"/>
+                </a:solidFill>
+                <a:miter lim="800000"/>
+                <a:headEnd/>
+                <a:tailEnd/>
+              </a14:hiddenLine>
+            </a:ext>
+          </a:extLst>
+        </p:spPr>
+        <p:txBody>
+          <a:bodyPr lIns="82058" tIns="41029" rIns="82058" bIns="41029"/>
+          <a:lstStyle/>
+          <a:p>
+            <a:pPr marL="342900" indent="-342900">
+              <a:spcBef>
+                <a:spcPct val="20000"/>
+              </a:spcBef>
+              <a:buSzPct val="120000"/>
+              <a:buFontTx/>
+              <a:buChar char="•"/>
+            </a:pPr>
+            <a:r>
+              <a:rPr lang="en-US" sz="3200" b="1" dirty="0" smtClean="0"/>
+              <a:t>Spatial </a:t>
+            </a:r>
+            <a:r>
+              <a:rPr lang="en-US" sz="3200" b="1" dirty="0" smtClean="0"/>
+              <a:t>autocorrelation</a:t>
+            </a:r>
+          </a:p>
+          <a:p>
+            <a:pPr marL="800100" lvl="1" indent="-342900">
+              <a:spcBef>
+                <a:spcPct val="20000"/>
+              </a:spcBef>
+              <a:buSzPct val="120000"/>
+              <a:buFontTx/>
+              <a:buChar char="•"/>
+            </a:pPr>
+            <a:r>
+              <a:rPr lang="en-US" sz="2800" b="1" dirty="0" smtClean="0"/>
+              <a:t>Do spatial weights affect Moran’s I?</a:t>
+            </a:r>
+            <a:endParaRPr lang="en-US" sz="2800" b="1" dirty="0" smtClean="0"/>
+          </a:p>
+          <a:p>
+            <a:pPr marL="800100" lvl="1" indent="-342900">
+              <a:spcBef>
+                <a:spcPct val="20000"/>
+              </a:spcBef>
+              <a:buSzPct val="120000"/>
+              <a:buFontTx/>
+              <a:buChar char="•"/>
+            </a:pPr>
+            <a:endParaRPr lang="en-US" sz="3200" b="1" dirty="0" smtClean="0"/>
+          </a:p>
+          <a:p>
+            <a:pPr marL="800100" lvl="1" indent="-342900">
+              <a:spcBef>
+                <a:spcPct val="20000"/>
+              </a:spcBef>
+              <a:buSzPct val="120000"/>
+              <a:buFontTx/>
+              <a:buChar char="•"/>
+            </a:pPr>
+            <a:endParaRPr lang="en-US" sz="3200" b="1" dirty="0"/>
+          </a:p>
+          <a:p>
+            <a:pPr marL="800100" lvl="1" indent="-342900">
+              <a:spcBef>
+                <a:spcPct val="20000"/>
+              </a:spcBef>
+              <a:buSzPct val="120000"/>
+              <a:buFontTx/>
+              <a:buChar char="•"/>
+            </a:pPr>
+            <a:endParaRPr lang="en-US" sz="3200" b="1" dirty="0" smtClean="0"/>
+          </a:p>
+          <a:p>
+            <a:pPr marL="800100" lvl="1" indent="-342900">
+              <a:spcBef>
+                <a:spcPct val="20000"/>
+              </a:spcBef>
+              <a:buSzPct val="120000"/>
+              <a:buFontTx/>
+              <a:buChar char="•"/>
+            </a:pPr>
+            <a:endParaRPr lang="en-US" sz="3200" b="1" dirty="0"/>
+          </a:p>
+          <a:p>
+            <a:pPr marL="800100" lvl="1" indent="-342900">
+              <a:spcBef>
+                <a:spcPct val="20000"/>
+              </a:spcBef>
+              <a:buSzPct val="120000"/>
+              <a:buFontTx/>
+              <a:buChar char="•"/>
+            </a:pPr>
+            <a:r>
+              <a:rPr lang="en-US" sz="2800" b="1" dirty="0" smtClean="0"/>
+              <a:t>All kinds of spatial weights indicate significant spatial correlation</a:t>
+            </a:r>
+          </a:p>
+          <a:p>
+            <a:pPr marL="800100" lvl="1" indent="-342900">
+              <a:spcBef>
+                <a:spcPct val="20000"/>
+              </a:spcBef>
+              <a:buSzPct val="120000"/>
+              <a:buFontTx/>
+              <a:buChar char="•"/>
+            </a:pPr>
+            <a:r>
+              <a:rPr lang="en-US" sz="2800" b="1" dirty="0"/>
+              <a:t>Parametric bootstrapping or tests specifically tuned to the setting </a:t>
+            </a:r>
+            <a:r>
+              <a:rPr lang="en-US" sz="2800" b="1" dirty="0" smtClean="0"/>
+              <a:t>are </a:t>
+            </a:r>
+            <a:r>
+              <a:rPr lang="en-US" sz="2800" b="1" dirty="0"/>
+              <a:t>sometimes needed</a:t>
+            </a:r>
+            <a:endParaRPr lang="en-US" sz="2800" b="1" dirty="0" smtClean="0"/>
+          </a:p>
+          <a:p>
+            <a:pPr>
+              <a:spcBef>
+                <a:spcPct val="20000"/>
+              </a:spcBef>
+              <a:buSzPct val="120000"/>
+            </a:pPr>
+            <a:endParaRPr lang="en-US" sz="1200" b="1" dirty="0"/>
+          </a:p>
+          <a:p>
+            <a:pPr marL="800100" lvl="1" indent="-342900">
+              <a:spcBef>
+                <a:spcPct val="20000"/>
+              </a:spcBef>
+              <a:buSzPct val="75000"/>
+              <a:buFont typeface="Wingdings" pitchFamily="2" charset="2"/>
+              <a:buChar char="Ø"/>
+            </a:pPr>
+            <a:endParaRPr lang="en-US" sz="1400" dirty="0">
+              <a:cs typeface="Times New Roman" pitchFamily="18" charset="0"/>
+            </a:endParaRPr>
+          </a:p>
+          <a:p>
+            <a:pPr marL="342900" indent="-342900">
+              <a:lnSpc>
+                <a:spcPct val="90000"/>
+              </a:lnSpc>
+              <a:spcBef>
+                <a:spcPct val="20000"/>
+              </a:spcBef>
+              <a:buFont typeface="Arial" charset="0"/>
+              <a:buNone/>
+            </a:pPr>
+            <a:endParaRPr lang="en-US" sz="1400" dirty="0"/>
+          </a:p>
+        </p:txBody>
+      </p:sp>
+      <p:sp>
+        <p:nvSpPr>
+          <p:cNvPr id="11" name="Rectangle 1049"/>
+          <p:cNvSpPr>
+            <a:spLocks noChangeArrowheads="1"/>
+          </p:cNvSpPr>
+          <p:nvPr/>
+        </p:nvSpPr>
+        <p:spPr bwMode="auto">
+          <a:xfrm>
+            <a:off x="5486400" y="381000"/>
+            <a:ext cx="3276600" cy="430887"/>
+          </a:xfrm>
+          <a:prstGeom prst="rect">
+            <a:avLst/>
+          </a:prstGeom>
+          <a:noFill/>
+          <a:ln>
+            <a:noFill/>
+          </a:ln>
+          <a:extLst>
+            <a:ext uri="{909E8E84-426E-40DD-AFC4-6F175D3DCCD1}">
+              <a14:hiddenFill xmlns:a14="http://schemas.microsoft.com/office/drawing/2010/main">
+                <a:solidFill>
+                  <a:srgbClr val="FFFFFF"/>
+                </a:solidFill>
+              </a14:hiddenFill>
+            </a:ext>
+            <a:ext uri="{91240B29-F687-4F45-9708-019B960494DF}">
+              <a14:hiddenLine xmlns:a14="http://schemas.microsoft.com/office/drawing/2010/main" w="9525">
+                <a:solidFill>
+                  <a:srgbClr val="000000"/>
+                </a:solidFill>
+                <a:miter lim="800000"/>
+                <a:headEnd/>
+                <a:tailEnd/>
+              </a14:hiddenLine>
+            </a:ext>
+          </a:extLst>
+        </p:spPr>
+        <p:txBody>
+          <a:bodyPr lIns="0" tIns="0" rIns="0" bIns="0">
+            <a:spAutoFit/>
+          </a:bodyPr>
+          <a:lstStyle/>
+          <a:p>
+            <a:pPr algn="r"/>
+            <a:r>
+              <a:rPr lang="en-US" sz="2800" b="1" dirty="0" smtClean="0">
+                <a:solidFill>
+                  <a:srgbClr val="EE3124"/>
+                </a:solidFill>
+              </a:rPr>
+              <a:t>Spatial Model</a:t>
+            </a:r>
+          </a:p>
+        </p:txBody>
+      </p:sp>
+      <p:graphicFrame>
+        <p:nvGraphicFramePr>
+          <p:cNvPr id="4" name="Object 3"/>
+          <p:cNvGraphicFramePr>
+            <a:graphicFrameLocks noChangeAspect="1"/>
+          </p:cNvGraphicFramePr>
+          <p:nvPr>
+            <p:extLst>
+              <p:ext uri="{D42A27DB-BD31-4B8C-83A1-F6EECF244321}">
+                <p14:modId xmlns:p14="http://schemas.microsoft.com/office/powerpoint/2010/main" val="1091993535"/>
+              </p:ext>
+            </p:extLst>
+          </p:nvPr>
+        </p:nvGraphicFramePr>
+        <p:xfrm>
+          <a:off x="228600" y="2286000"/>
+          <a:ext cx="8610600" cy="1958426"/>
+        </p:xfrm>
+        <a:graphic>
+          <a:graphicData uri="http://schemas.openxmlformats.org/presentationml/2006/ole">
+            <mc:AlternateContent xmlns:mc="http://schemas.openxmlformats.org/markup-compatibility/2006">
+              <mc:Choice xmlns:v="urn:schemas-microsoft-com:vml" Requires="v">
+                <p:oleObj spid="_x0000_s9219" name="Worksheet" r:id="rId3" imgW="5067233" imgH="1152600" progId="Excel.Sheet.12">
+                  <p:embed/>
+                </p:oleObj>
+              </mc:Choice>
+              <mc:Fallback>
+                <p:oleObj name="Worksheet" r:id="rId3" imgW="5067233" imgH="1152600" progId="Excel.Sheet.12">
+                  <p:embed/>
+                  <p:pic>
+                    <p:nvPicPr>
+                      <p:cNvPr id="0" name=""/>
+                      <p:cNvPicPr/>
+                      <p:nvPr/>
+                    </p:nvPicPr>
+                    <p:blipFill>
+                      <a:blip r:embed="rId4"/>
+                      <a:stretch>
+                        <a:fillRect/>
+                      </a:stretch>
+                    </p:blipFill>
+                    <p:spPr>
+                      <a:xfrm>
+                        <a:off x="228600" y="2286000"/>
+                        <a:ext cx="8610600" cy="1958426"/>
+                      </a:xfrm>
+                      <a:prstGeom prst="rect">
+                        <a:avLst/>
+                      </a:prstGeom>
+                    </p:spPr>
+                  </p:pic>
+                </p:oleObj>
+              </mc:Fallback>
+            </mc:AlternateContent>
+          </a:graphicData>
+        </a:graphic>
+      </p:graphicFrame>
+    </p:spTree>
+    <p:extLst>
+      <p:ext uri="{BB962C8B-B14F-4D97-AF65-F5344CB8AC3E}">
+        <p14:creationId xmlns:p14="http://schemas.microsoft.com/office/powerpoint/2010/main" val="3498068552"/>
+      </p:ext>
+    </p:extLst>
+  </p:cSld>
+  <p:clrMapOvr>
+    <a:masterClrMapping/>
+  </p:clrMapOvr>
+  <p:timing>
+    <p:tnLst>
+      <p:par>
+        <p:cTn id="1" dur="indefinite" restart="never" nodeType="tmRoot"/>
+      </p:par>
+    </p:tnLst>
+  </p:timing>
+</p:sld>
+</file>
+
+<file path=ppt/slides/slide65.xml><?xml version="1.0" encoding="utf-8"?>
+<p:sld xmlns:a="http://schemas.openxmlformats.org/drawingml/2006/main" xmlns:r="http://schemas.openxmlformats.org/officeDocument/2006/relationships" xmlns:p="http://schemas.openxmlformats.org/presentationml/2006/main">
+  <p:cSld>
+    <p:spTree>
+      <p:nvGrpSpPr>
+        <p:cNvPr id="1" name=""/>
+        <p:cNvGrpSpPr/>
+        <p:nvPr/>
+      </p:nvGrpSpPr>
+      <p:grpSpPr>
+        <a:xfrm>
+          <a:off x="0" y="0"/>
+          <a:ext cx="0" cy="0"/>
+          <a:chOff x="0" y="0"/>
+          <a:chExt cx="0" cy="0"/>
+        </a:xfrm>
+      </p:grpSpPr>
+      <p:sp>
+        <p:nvSpPr>
+          <p:cNvPr id="3076" name="AutoShape 1036" descr="1701 S 16th St - click for full-size image"/>
+          <p:cNvSpPr>
+            <a:spLocks noChangeAspect="1" noChangeArrowheads="1"/>
+          </p:cNvSpPr>
+          <p:nvPr/>
+        </p:nvSpPr>
+        <p:spPr bwMode="auto">
+          <a:xfrm>
+            <a:off x="4419600" y="2914650"/>
+            <a:ext cx="296863" cy="296863"/>
+          </a:xfrm>
+          <a:prstGeom prst="rect">
+            <a:avLst/>
+          </a:prstGeom>
+          <a:noFill/>
+          <a:ln>
+            <a:noFill/>
+          </a:ln>
+          <a:extLst>
+            <a:ext uri="{909E8E84-426E-40DD-AFC4-6F175D3DCCD1}">
+              <a14:hiddenFill xmlns:a14="http://schemas.microsoft.com/office/drawing/2010/main">
+                <a:solidFill>
+                  <a:srgbClr val="FFFFFF"/>
+                </a:solidFill>
+              </a14:hiddenFill>
+            </a:ext>
+            <a:ext uri="{91240B29-F687-4F45-9708-019B960494DF}">
+              <a14:hiddenLine xmlns:a14="http://schemas.microsoft.com/office/drawing/2010/main" w="9525">
+                <a:solidFill>
+                  <a:srgbClr val="000000"/>
+                </a:solidFill>
+                <a:miter lim="800000"/>
+                <a:headEnd/>
+                <a:tailEnd/>
+              </a14:hiddenLine>
+            </a:ext>
+          </a:extLst>
+        </p:spPr>
+        <p:txBody>
+          <a:bodyPr/>
+          <a:lstStyle/>
+          <a:p>
+            <a:endParaRPr lang="en-US"/>
+          </a:p>
+        </p:txBody>
+      </p:sp>
+      <p:grpSp>
+        <p:nvGrpSpPr>
+          <p:cNvPr id="3077" name="Group 1042"/>
+          <p:cNvGrpSpPr>
+            <a:grpSpLocks/>
+          </p:cNvGrpSpPr>
+          <p:nvPr/>
+        </p:nvGrpSpPr>
+        <p:grpSpPr bwMode="auto">
+          <a:xfrm>
+            <a:off x="0" y="2868613"/>
+            <a:ext cx="9144000" cy="1122362"/>
+            <a:chOff x="0" y="707"/>
+            <a:chExt cx="5760" cy="707"/>
+          </a:xfrm>
+        </p:grpSpPr>
+        <p:sp>
+          <p:nvSpPr>
+            <p:cNvPr id="3082" name="Rectangle 1039"/>
+            <p:cNvSpPr>
+              <a:spLocks noChangeArrowheads="1"/>
+            </p:cNvSpPr>
+            <p:nvPr/>
+          </p:nvSpPr>
+          <p:spPr bwMode="auto">
+            <a:xfrm>
+              <a:off x="0" y="707"/>
+              <a:ext cx="5760" cy="707"/>
+            </a:xfrm>
+            <a:prstGeom prst="rect">
+              <a:avLst/>
+            </a:prstGeom>
+            <a:noFill/>
+            <a:ln>
+              <a:noFill/>
+            </a:ln>
+            <a:extLst>
+              <a:ext uri="{909E8E84-426E-40DD-AFC4-6F175D3DCCD1}">
+                <a14:hiddenFill xmlns:a14="http://schemas.microsoft.com/office/drawing/2010/main">
+                  <a:solidFill>
+                    <a:srgbClr val="FFFFFF"/>
+                  </a:solidFill>
+                </a14:hiddenFill>
+              </a:ext>
+              <a:ext uri="{91240B29-F687-4F45-9708-019B960494DF}">
+                <a14:hiddenLine xmlns:a14="http://schemas.microsoft.com/office/drawing/2010/main" w="9525">
+                  <a:solidFill>
+                    <a:srgbClr val="000000"/>
+                  </a:solidFill>
+                  <a:miter lim="800000"/>
+                  <a:headEnd/>
+                  <a:tailEnd/>
+                </a14:hiddenLine>
+              </a:ext>
+            </a:extLst>
+          </p:spPr>
+          <p:txBody>
+            <a:bodyPr>
+              <a:spAutoFit/>
+            </a:bodyPr>
+            <a:lstStyle/>
+            <a:p>
+              <a:endParaRPr lang="en-US"/>
+            </a:p>
+          </p:txBody>
+        </p:sp>
+        <p:sp>
+          <p:nvSpPr>
+            <p:cNvPr id="3083" name="Rectangle 1040"/>
+            <p:cNvSpPr>
+              <a:spLocks noChangeArrowheads="1"/>
+            </p:cNvSpPr>
+            <p:nvPr/>
+          </p:nvSpPr>
+          <p:spPr bwMode="auto">
+            <a:xfrm>
+              <a:off x="0" y="707"/>
+              <a:ext cx="5760" cy="231"/>
+            </a:xfrm>
+            <a:prstGeom prst="rect">
+              <a:avLst/>
+            </a:prstGeom>
+            <a:noFill/>
+            <a:ln>
+              <a:noFill/>
+            </a:ln>
+            <a:extLst>
+              <a:ext uri="{909E8E84-426E-40DD-AFC4-6F175D3DCCD1}">
+                <a14:hiddenFill xmlns:a14="http://schemas.microsoft.com/office/drawing/2010/main">
+                  <a:solidFill>
+                    <a:srgbClr val="FFFFFF"/>
+                  </a:solidFill>
+                </a14:hiddenFill>
+              </a:ext>
+              <a:ext uri="{91240B29-F687-4F45-9708-019B960494DF}">
+                <a14:hiddenLine xmlns:a14="http://schemas.microsoft.com/office/drawing/2010/main" w="9525">
+                  <a:solidFill>
+                    <a:srgbClr val="000000"/>
+                  </a:solidFill>
+                  <a:miter lim="800000"/>
+                  <a:headEnd/>
+                  <a:tailEnd/>
+                </a14:hiddenLine>
+              </a:ext>
+            </a:extLst>
+          </p:spPr>
+          <p:txBody>
+            <a:bodyPr anchor="ctr"/>
+            <a:lstStyle/>
+            <a:p>
+              <a:pPr algn="ctr"/>
+              <a:r>
+                <a:rPr lang="en-US" sz="1000">
+                  <a:latin typeface="Verdana" pitchFamily="34" charset="0"/>
+                </a:rPr>
+                <a:t>  </a:t>
+              </a:r>
+              <a:r>
+                <a:rPr lang="en-US">
+                  <a:latin typeface="Verdana" pitchFamily="34" charset="0"/>
+                </a:rPr>
+                <a:t> </a:t>
+              </a:r>
+              <a:r>
+                <a:rPr lang="en-US" sz="1000">
+                  <a:latin typeface="Verdana" pitchFamily="34" charset="0"/>
+                </a:rPr>
+                <a:t>     </a:t>
+              </a:r>
+            </a:p>
+          </p:txBody>
+        </p:sp>
+      </p:grpSp>
+      <p:sp>
+        <p:nvSpPr>
+          <p:cNvPr id="3078" name="AutoShape 1041" descr="1701 S 16th St - click for full-size image"/>
+          <p:cNvSpPr>
+            <a:spLocks noChangeAspect="1" noChangeArrowheads="1"/>
+          </p:cNvSpPr>
+          <p:nvPr/>
+        </p:nvSpPr>
+        <p:spPr bwMode="auto">
+          <a:xfrm>
+            <a:off x="4419600" y="2914650"/>
+            <a:ext cx="296863" cy="296863"/>
+          </a:xfrm>
+          <a:prstGeom prst="rect">
+            <a:avLst/>
+          </a:prstGeom>
+          <a:noFill/>
+          <a:ln>
+            <a:noFill/>
+          </a:ln>
+          <a:extLst>
+            <a:ext uri="{909E8E84-426E-40DD-AFC4-6F175D3DCCD1}">
+              <a14:hiddenFill xmlns:a14="http://schemas.microsoft.com/office/drawing/2010/main">
+                <a:solidFill>
+                  <a:srgbClr val="FFFFFF"/>
+                </a:solidFill>
+              </a14:hiddenFill>
+            </a:ext>
+            <a:ext uri="{91240B29-F687-4F45-9708-019B960494DF}">
+              <a14:hiddenLine xmlns:a14="http://schemas.microsoft.com/office/drawing/2010/main" w="9525">
+                <a:solidFill>
+                  <a:srgbClr val="000000"/>
+                </a:solidFill>
+                <a:miter lim="800000"/>
+                <a:headEnd/>
+                <a:tailEnd/>
+              </a14:hiddenLine>
+            </a:ext>
+          </a:extLst>
+        </p:spPr>
+        <p:txBody>
+          <a:bodyPr/>
+          <a:lstStyle/>
+          <a:p>
+            <a:endParaRPr lang="en-US"/>
+          </a:p>
+        </p:txBody>
+      </p:sp>
+      <p:sp>
+        <p:nvSpPr>
+          <p:cNvPr id="3079" name="Rectangle 1049"/>
+          <p:cNvSpPr>
+            <a:spLocks noChangeArrowheads="1"/>
+          </p:cNvSpPr>
+          <p:nvPr/>
+        </p:nvSpPr>
+        <p:spPr bwMode="auto">
+          <a:xfrm>
+            <a:off x="685800" y="365125"/>
+            <a:ext cx="3924300" cy="430887"/>
+          </a:xfrm>
+          <a:prstGeom prst="rect">
+            <a:avLst/>
+          </a:prstGeom>
+          <a:noFill/>
+          <a:ln>
+            <a:noFill/>
+          </a:ln>
+          <a:extLst>
+            <a:ext uri="{909E8E84-426E-40DD-AFC4-6F175D3DCCD1}">
+              <a14:hiddenFill xmlns:a14="http://schemas.microsoft.com/office/drawing/2010/main">
+                <a:solidFill>
+                  <a:srgbClr val="FFFFFF"/>
+                </a:solidFill>
+              </a14:hiddenFill>
+            </a:ext>
+            <a:ext uri="{91240B29-F687-4F45-9708-019B960494DF}">
+              <a14:hiddenLine xmlns:a14="http://schemas.microsoft.com/office/drawing/2010/main" w="9525">
+                <a:solidFill>
+                  <a:srgbClr val="000000"/>
+                </a:solidFill>
+                <a:miter lim="800000"/>
+                <a:headEnd/>
+                <a:tailEnd/>
+              </a14:hiddenLine>
+            </a:ext>
+          </a:extLst>
+        </p:spPr>
+        <p:txBody>
+          <a:bodyPr wrap="square" lIns="0" tIns="0" rIns="0" bIns="0">
+            <a:spAutoFit/>
+          </a:bodyPr>
+          <a:lstStyle/>
+          <a:p>
+            <a:r>
+              <a:rPr lang="en-US" sz="2800" b="1" dirty="0" smtClean="0">
+                <a:solidFill>
+                  <a:srgbClr val="EE3124"/>
+                </a:solidFill>
+              </a:rPr>
+              <a:t>Modeling and Analysis</a:t>
+            </a:r>
+          </a:p>
+        </p:txBody>
+      </p:sp>
+      <p:sp>
+        <p:nvSpPr>
+          <p:cNvPr id="3081" name="Rectangle 1028"/>
+          <p:cNvSpPr>
+            <a:spLocks noChangeArrowheads="1"/>
+          </p:cNvSpPr>
+          <p:nvPr/>
+        </p:nvSpPr>
+        <p:spPr bwMode="auto">
+          <a:xfrm>
+            <a:off x="609600" y="914400"/>
+            <a:ext cx="8001000" cy="5410200"/>
+          </a:xfrm>
+          <a:prstGeom prst="rect">
+            <a:avLst/>
+          </a:prstGeom>
+          <a:noFill/>
+          <a:ln>
+            <a:noFill/>
+          </a:ln>
+          <a:extLst>
+            <a:ext uri="{909E8E84-426E-40DD-AFC4-6F175D3DCCD1}">
+              <a14:hiddenFill xmlns:a14="http://schemas.microsoft.com/office/drawing/2010/main">
+                <a:solidFill>
+                  <a:srgbClr val="FFFFFF"/>
+                </a:solidFill>
+              </a14:hiddenFill>
+            </a:ext>
+            <a:ext uri="{91240B29-F687-4F45-9708-019B960494DF}">
+              <a14:hiddenLine xmlns:a14="http://schemas.microsoft.com/office/drawing/2010/main" w="9525">
+                <a:solidFill>
+                  <a:srgbClr val="000000"/>
+                </a:solidFill>
+                <a:miter lim="800000"/>
+                <a:headEnd/>
+                <a:tailEnd/>
+              </a14:hiddenLine>
+            </a:ext>
+          </a:extLst>
+        </p:spPr>
+        <p:txBody>
+          <a:bodyPr lIns="82058" tIns="41029" rIns="82058" bIns="41029"/>
+          <a:lstStyle/>
+          <a:p>
+            <a:pPr marL="342900" indent="-342900">
+              <a:spcBef>
+                <a:spcPct val="20000"/>
+              </a:spcBef>
+              <a:buSzPct val="120000"/>
+              <a:buFontTx/>
+              <a:buChar char="•"/>
+            </a:pPr>
+            <a:r>
+              <a:rPr lang="en-US" sz="3200" b="1" dirty="0" smtClean="0"/>
               <a:t>Spatial Model Comparison</a:t>
             </a:r>
           </a:p>
@@ -36041,7 +37863,7 @@
 </p:sld>
 </file>
 
-<file path=ppt/slides/slide63.xml><?xml version="1.0" encoding="utf-8"?>
+<file path=ppt/slides/slide66.xml><?xml version="1.0" encoding="utf-8"?>
 <p:sld xmlns:a="http://schemas.openxmlformats.org/drawingml/2006/main" xmlns:r="http://schemas.openxmlformats.org/officeDocument/2006/relationships" xmlns:p="http://schemas.openxmlformats.org/presentationml/2006/main">
   <p:cSld>
     <p:spTree>
